--- a/proj/InterimPresentation.pptx
+++ b/proj/InterimPresentation.pptx
@@ -213,7 +213,7 @@
             <a:fld id="{B1276544-A668-4050-9B33-F4CC7A6280CC}" type="datetimeFigureOut">
               <a:rPr lang="en-US" smtClean="0"/>
               <a:pPr/>
-              <a:t>3/14/2010</a:t>
+              <a:t>4/10/2010</a:t>
             </a:fld>
             <a:endParaRPr lang="en-US"/>
           </a:p>
@@ -561,6 +561,826 @@
 </p:notes>
 </file>
 
+<file path=ppt/notesSlides/notesSlide10.xml><?xml version="1.0" encoding="utf-8"?>
+<p:notes xmlns:a="http://schemas.openxmlformats.org/drawingml/2006/main" xmlns:r="http://schemas.openxmlformats.org/officeDocument/2006/relationships" xmlns:p="http://schemas.openxmlformats.org/presentationml/2006/main">
+  <p:cSld>
+    <p:spTree>
+      <p:nvGrpSpPr>
+        <p:cNvPr id="1" name=""/>
+        <p:cNvGrpSpPr/>
+        <p:nvPr/>
+      </p:nvGrpSpPr>
+      <p:grpSpPr>
+        <a:xfrm>
+          <a:off x="0" y="0"/>
+          <a:ext cx="0" cy="0"/>
+          <a:chOff x="0" y="0"/>
+          <a:chExt cx="0" cy="0"/>
+        </a:xfrm>
+      </p:grpSpPr>
+      <p:sp>
+        <p:nvSpPr>
+          <p:cNvPr id="2" name="Slide Image Placeholder 1"/>
+          <p:cNvSpPr>
+            <a:spLocks noGrp="1" noRot="1" noChangeAspect="1"/>
+          </p:cNvSpPr>
+          <p:nvPr>
+            <p:ph type="sldImg"/>
+          </p:nvPr>
+        </p:nvSpPr>
+        <p:spPr/>
+      </p:sp>
+      <p:sp>
+        <p:nvSpPr>
+          <p:cNvPr id="3" name="Notes Placeholder 2"/>
+          <p:cNvSpPr>
+            <a:spLocks noGrp="1"/>
+          </p:cNvSpPr>
+          <p:nvPr>
+            <p:ph type="body" idx="1"/>
+          </p:nvPr>
+        </p:nvSpPr>
+        <p:spPr/>
+        <p:txBody>
+          <a:bodyPr>
+            <a:normAutofit/>
+          </a:bodyPr>
+          <a:lstStyle/>
+          <a:p>
+            <a:endParaRPr lang="en-US"/>
+          </a:p>
+        </p:txBody>
+      </p:sp>
+      <p:sp>
+        <p:nvSpPr>
+          <p:cNvPr id="4" name="Slide Number Placeholder 3"/>
+          <p:cNvSpPr>
+            <a:spLocks noGrp="1"/>
+          </p:cNvSpPr>
+          <p:nvPr>
+            <p:ph type="sldNum" sz="quarter" idx="10"/>
+          </p:nvPr>
+        </p:nvSpPr>
+        <p:spPr/>
+        <p:txBody>
+          <a:bodyPr/>
+          <a:lstStyle/>
+          <a:p>
+            <a:fld id="{B0511807-729B-42C4-AFF6-2A42C2749713}" type="slidenum">
+              <a:rPr lang="en-US" smtClean="0"/>
+              <a:pPr/>
+              <a:t>10</a:t>
+            </a:fld>
+            <a:endParaRPr lang="en-US"/>
+          </a:p>
+        </p:txBody>
+      </p:sp>
+    </p:spTree>
+  </p:cSld>
+  <p:clrMapOvr>
+    <a:masterClrMapping/>
+  </p:clrMapOvr>
+</p:notes>
+</file>
+
+<file path=ppt/notesSlides/notesSlide11.xml><?xml version="1.0" encoding="utf-8"?>
+<p:notes xmlns:a="http://schemas.openxmlformats.org/drawingml/2006/main" xmlns:r="http://schemas.openxmlformats.org/officeDocument/2006/relationships" xmlns:p="http://schemas.openxmlformats.org/presentationml/2006/main">
+  <p:cSld>
+    <p:spTree>
+      <p:nvGrpSpPr>
+        <p:cNvPr id="1" name=""/>
+        <p:cNvGrpSpPr/>
+        <p:nvPr/>
+      </p:nvGrpSpPr>
+      <p:grpSpPr>
+        <a:xfrm>
+          <a:off x="0" y="0"/>
+          <a:ext cx="0" cy="0"/>
+          <a:chOff x="0" y="0"/>
+          <a:chExt cx="0" cy="0"/>
+        </a:xfrm>
+      </p:grpSpPr>
+      <p:sp>
+        <p:nvSpPr>
+          <p:cNvPr id="2" name="Slide Image Placeholder 1"/>
+          <p:cNvSpPr>
+            <a:spLocks noGrp="1" noRot="1" noChangeAspect="1"/>
+          </p:cNvSpPr>
+          <p:nvPr>
+            <p:ph type="sldImg"/>
+          </p:nvPr>
+        </p:nvSpPr>
+        <p:spPr/>
+      </p:sp>
+      <p:sp>
+        <p:nvSpPr>
+          <p:cNvPr id="3" name="Notes Placeholder 2"/>
+          <p:cNvSpPr>
+            <a:spLocks noGrp="1"/>
+          </p:cNvSpPr>
+          <p:nvPr>
+            <p:ph type="body" idx="1"/>
+          </p:nvPr>
+        </p:nvSpPr>
+        <p:spPr/>
+        <p:txBody>
+          <a:bodyPr>
+            <a:normAutofit/>
+          </a:bodyPr>
+          <a:lstStyle/>
+          <a:p>
+            <a:endParaRPr lang="en-US"/>
+          </a:p>
+        </p:txBody>
+      </p:sp>
+      <p:sp>
+        <p:nvSpPr>
+          <p:cNvPr id="4" name="Slide Number Placeholder 3"/>
+          <p:cNvSpPr>
+            <a:spLocks noGrp="1"/>
+          </p:cNvSpPr>
+          <p:nvPr>
+            <p:ph type="sldNum" sz="quarter" idx="10"/>
+          </p:nvPr>
+        </p:nvSpPr>
+        <p:spPr/>
+        <p:txBody>
+          <a:bodyPr/>
+          <a:lstStyle/>
+          <a:p>
+            <a:fld id="{B0511807-729B-42C4-AFF6-2A42C2749713}" type="slidenum">
+              <a:rPr lang="en-US" smtClean="0"/>
+              <a:pPr/>
+              <a:t>11</a:t>
+            </a:fld>
+            <a:endParaRPr lang="en-US"/>
+          </a:p>
+        </p:txBody>
+      </p:sp>
+    </p:spTree>
+  </p:cSld>
+  <p:clrMapOvr>
+    <a:masterClrMapping/>
+  </p:clrMapOvr>
+</p:notes>
+</file>
+
+<file path=ppt/notesSlides/notesSlide12.xml><?xml version="1.0" encoding="utf-8"?>
+<p:notes xmlns:a="http://schemas.openxmlformats.org/drawingml/2006/main" xmlns:r="http://schemas.openxmlformats.org/officeDocument/2006/relationships" xmlns:p="http://schemas.openxmlformats.org/presentationml/2006/main">
+  <p:cSld>
+    <p:spTree>
+      <p:nvGrpSpPr>
+        <p:cNvPr id="1" name=""/>
+        <p:cNvGrpSpPr/>
+        <p:nvPr/>
+      </p:nvGrpSpPr>
+      <p:grpSpPr>
+        <a:xfrm>
+          <a:off x="0" y="0"/>
+          <a:ext cx="0" cy="0"/>
+          <a:chOff x="0" y="0"/>
+          <a:chExt cx="0" cy="0"/>
+        </a:xfrm>
+      </p:grpSpPr>
+      <p:sp>
+        <p:nvSpPr>
+          <p:cNvPr id="2" name="Slide Image Placeholder 1"/>
+          <p:cNvSpPr>
+            <a:spLocks noGrp="1" noRot="1" noChangeAspect="1"/>
+          </p:cNvSpPr>
+          <p:nvPr>
+            <p:ph type="sldImg"/>
+          </p:nvPr>
+        </p:nvSpPr>
+        <p:spPr/>
+      </p:sp>
+      <p:sp>
+        <p:nvSpPr>
+          <p:cNvPr id="3" name="Notes Placeholder 2"/>
+          <p:cNvSpPr>
+            <a:spLocks noGrp="1"/>
+          </p:cNvSpPr>
+          <p:nvPr>
+            <p:ph type="body" idx="1"/>
+          </p:nvPr>
+        </p:nvSpPr>
+        <p:spPr/>
+        <p:txBody>
+          <a:bodyPr>
+            <a:normAutofit/>
+          </a:bodyPr>
+          <a:lstStyle/>
+          <a:p>
+            <a:endParaRPr lang="en-US"/>
+          </a:p>
+        </p:txBody>
+      </p:sp>
+      <p:sp>
+        <p:nvSpPr>
+          <p:cNvPr id="4" name="Slide Number Placeholder 3"/>
+          <p:cNvSpPr>
+            <a:spLocks noGrp="1"/>
+          </p:cNvSpPr>
+          <p:nvPr>
+            <p:ph type="sldNum" sz="quarter" idx="10"/>
+          </p:nvPr>
+        </p:nvSpPr>
+        <p:spPr/>
+        <p:txBody>
+          <a:bodyPr/>
+          <a:lstStyle/>
+          <a:p>
+            <a:fld id="{B0511807-729B-42C4-AFF6-2A42C2749713}" type="slidenum">
+              <a:rPr lang="en-US" smtClean="0"/>
+              <a:pPr/>
+              <a:t>12</a:t>
+            </a:fld>
+            <a:endParaRPr lang="en-US"/>
+          </a:p>
+        </p:txBody>
+      </p:sp>
+    </p:spTree>
+  </p:cSld>
+  <p:clrMapOvr>
+    <a:masterClrMapping/>
+  </p:clrMapOvr>
+</p:notes>
+</file>
+
+<file path=ppt/notesSlides/notesSlide13.xml><?xml version="1.0" encoding="utf-8"?>
+<p:notes xmlns:a="http://schemas.openxmlformats.org/drawingml/2006/main" xmlns:r="http://schemas.openxmlformats.org/officeDocument/2006/relationships" xmlns:p="http://schemas.openxmlformats.org/presentationml/2006/main">
+  <p:cSld>
+    <p:spTree>
+      <p:nvGrpSpPr>
+        <p:cNvPr id="1" name=""/>
+        <p:cNvGrpSpPr/>
+        <p:nvPr/>
+      </p:nvGrpSpPr>
+      <p:grpSpPr>
+        <a:xfrm>
+          <a:off x="0" y="0"/>
+          <a:ext cx="0" cy="0"/>
+          <a:chOff x="0" y="0"/>
+          <a:chExt cx="0" cy="0"/>
+        </a:xfrm>
+      </p:grpSpPr>
+      <p:sp>
+        <p:nvSpPr>
+          <p:cNvPr id="2" name="Slide Image Placeholder 1"/>
+          <p:cNvSpPr>
+            <a:spLocks noGrp="1" noRot="1" noChangeAspect="1"/>
+          </p:cNvSpPr>
+          <p:nvPr>
+            <p:ph type="sldImg"/>
+          </p:nvPr>
+        </p:nvSpPr>
+        <p:spPr/>
+      </p:sp>
+      <p:sp>
+        <p:nvSpPr>
+          <p:cNvPr id="3" name="Notes Placeholder 2"/>
+          <p:cNvSpPr>
+            <a:spLocks noGrp="1"/>
+          </p:cNvSpPr>
+          <p:nvPr>
+            <p:ph type="body" idx="1"/>
+          </p:nvPr>
+        </p:nvSpPr>
+        <p:spPr/>
+        <p:txBody>
+          <a:bodyPr>
+            <a:normAutofit/>
+          </a:bodyPr>
+          <a:lstStyle/>
+          <a:p>
+            <a:endParaRPr lang="en-US"/>
+          </a:p>
+        </p:txBody>
+      </p:sp>
+      <p:sp>
+        <p:nvSpPr>
+          <p:cNvPr id="4" name="Slide Number Placeholder 3"/>
+          <p:cNvSpPr>
+            <a:spLocks noGrp="1"/>
+          </p:cNvSpPr>
+          <p:nvPr>
+            <p:ph type="sldNum" sz="quarter" idx="10"/>
+          </p:nvPr>
+        </p:nvSpPr>
+        <p:spPr/>
+        <p:txBody>
+          <a:bodyPr/>
+          <a:lstStyle/>
+          <a:p>
+            <a:fld id="{B0511807-729B-42C4-AFF6-2A42C2749713}" type="slidenum">
+              <a:rPr lang="en-US" smtClean="0"/>
+              <a:pPr/>
+              <a:t>13</a:t>
+            </a:fld>
+            <a:endParaRPr lang="en-US"/>
+          </a:p>
+        </p:txBody>
+      </p:sp>
+    </p:spTree>
+  </p:cSld>
+  <p:clrMapOvr>
+    <a:masterClrMapping/>
+  </p:clrMapOvr>
+</p:notes>
+</file>
+
+<file path=ppt/notesSlides/notesSlide14.xml><?xml version="1.0" encoding="utf-8"?>
+<p:notes xmlns:a="http://schemas.openxmlformats.org/drawingml/2006/main" xmlns:r="http://schemas.openxmlformats.org/officeDocument/2006/relationships" xmlns:p="http://schemas.openxmlformats.org/presentationml/2006/main">
+  <p:cSld>
+    <p:spTree>
+      <p:nvGrpSpPr>
+        <p:cNvPr id="1" name=""/>
+        <p:cNvGrpSpPr/>
+        <p:nvPr/>
+      </p:nvGrpSpPr>
+      <p:grpSpPr>
+        <a:xfrm>
+          <a:off x="0" y="0"/>
+          <a:ext cx="0" cy="0"/>
+          <a:chOff x="0" y="0"/>
+          <a:chExt cx="0" cy="0"/>
+        </a:xfrm>
+      </p:grpSpPr>
+      <p:sp>
+        <p:nvSpPr>
+          <p:cNvPr id="2" name="Slide Image Placeholder 1"/>
+          <p:cNvSpPr>
+            <a:spLocks noGrp="1" noRot="1" noChangeAspect="1"/>
+          </p:cNvSpPr>
+          <p:nvPr>
+            <p:ph type="sldImg"/>
+          </p:nvPr>
+        </p:nvSpPr>
+        <p:spPr/>
+      </p:sp>
+      <p:sp>
+        <p:nvSpPr>
+          <p:cNvPr id="3" name="Notes Placeholder 2"/>
+          <p:cNvSpPr>
+            <a:spLocks noGrp="1"/>
+          </p:cNvSpPr>
+          <p:nvPr>
+            <p:ph type="body" idx="1"/>
+          </p:nvPr>
+        </p:nvSpPr>
+        <p:spPr/>
+        <p:txBody>
+          <a:bodyPr>
+            <a:normAutofit/>
+          </a:bodyPr>
+          <a:lstStyle/>
+          <a:p>
+            <a:endParaRPr lang="en-US"/>
+          </a:p>
+        </p:txBody>
+      </p:sp>
+      <p:sp>
+        <p:nvSpPr>
+          <p:cNvPr id="4" name="Slide Number Placeholder 3"/>
+          <p:cNvSpPr>
+            <a:spLocks noGrp="1"/>
+          </p:cNvSpPr>
+          <p:nvPr>
+            <p:ph type="sldNum" sz="quarter" idx="10"/>
+          </p:nvPr>
+        </p:nvSpPr>
+        <p:spPr/>
+        <p:txBody>
+          <a:bodyPr/>
+          <a:lstStyle/>
+          <a:p>
+            <a:fld id="{B0511807-729B-42C4-AFF6-2A42C2749713}" type="slidenum">
+              <a:rPr lang="en-US" smtClean="0"/>
+              <a:pPr/>
+              <a:t>14</a:t>
+            </a:fld>
+            <a:endParaRPr lang="en-US"/>
+          </a:p>
+        </p:txBody>
+      </p:sp>
+    </p:spTree>
+  </p:cSld>
+  <p:clrMapOvr>
+    <a:masterClrMapping/>
+  </p:clrMapOvr>
+</p:notes>
+</file>
+
+<file path=ppt/notesSlides/notesSlide15.xml><?xml version="1.0" encoding="utf-8"?>
+<p:notes xmlns:a="http://schemas.openxmlformats.org/drawingml/2006/main" xmlns:r="http://schemas.openxmlformats.org/officeDocument/2006/relationships" xmlns:p="http://schemas.openxmlformats.org/presentationml/2006/main">
+  <p:cSld>
+    <p:spTree>
+      <p:nvGrpSpPr>
+        <p:cNvPr id="1" name=""/>
+        <p:cNvGrpSpPr/>
+        <p:nvPr/>
+      </p:nvGrpSpPr>
+      <p:grpSpPr>
+        <a:xfrm>
+          <a:off x="0" y="0"/>
+          <a:ext cx="0" cy="0"/>
+          <a:chOff x="0" y="0"/>
+          <a:chExt cx="0" cy="0"/>
+        </a:xfrm>
+      </p:grpSpPr>
+      <p:sp>
+        <p:nvSpPr>
+          <p:cNvPr id="2" name="Slide Image Placeholder 1"/>
+          <p:cNvSpPr>
+            <a:spLocks noGrp="1" noRot="1" noChangeAspect="1"/>
+          </p:cNvSpPr>
+          <p:nvPr>
+            <p:ph type="sldImg"/>
+          </p:nvPr>
+        </p:nvSpPr>
+        <p:spPr/>
+      </p:sp>
+      <p:sp>
+        <p:nvSpPr>
+          <p:cNvPr id="3" name="Notes Placeholder 2"/>
+          <p:cNvSpPr>
+            <a:spLocks noGrp="1"/>
+          </p:cNvSpPr>
+          <p:nvPr>
+            <p:ph type="body" idx="1"/>
+          </p:nvPr>
+        </p:nvSpPr>
+        <p:spPr/>
+        <p:txBody>
+          <a:bodyPr>
+            <a:normAutofit/>
+          </a:bodyPr>
+          <a:lstStyle/>
+          <a:p>
+            <a:endParaRPr lang="en-US" dirty="0"/>
+          </a:p>
+        </p:txBody>
+      </p:sp>
+      <p:sp>
+        <p:nvSpPr>
+          <p:cNvPr id="4" name="Slide Number Placeholder 3"/>
+          <p:cNvSpPr>
+            <a:spLocks noGrp="1"/>
+          </p:cNvSpPr>
+          <p:nvPr>
+            <p:ph type="sldNum" sz="quarter" idx="10"/>
+          </p:nvPr>
+        </p:nvSpPr>
+        <p:spPr/>
+        <p:txBody>
+          <a:bodyPr/>
+          <a:lstStyle/>
+          <a:p>
+            <a:fld id="{B0511807-729B-42C4-AFF6-2A42C2749713}" type="slidenum">
+              <a:rPr lang="en-US" smtClean="0"/>
+              <a:pPr/>
+              <a:t>15</a:t>
+            </a:fld>
+            <a:endParaRPr lang="en-US"/>
+          </a:p>
+        </p:txBody>
+      </p:sp>
+    </p:spTree>
+  </p:cSld>
+  <p:clrMapOvr>
+    <a:masterClrMapping/>
+  </p:clrMapOvr>
+</p:notes>
+</file>
+
+<file path=ppt/notesSlides/notesSlide16.xml><?xml version="1.0" encoding="utf-8"?>
+<p:notes xmlns:a="http://schemas.openxmlformats.org/drawingml/2006/main" xmlns:r="http://schemas.openxmlformats.org/officeDocument/2006/relationships" xmlns:p="http://schemas.openxmlformats.org/presentationml/2006/main">
+  <p:cSld>
+    <p:spTree>
+      <p:nvGrpSpPr>
+        <p:cNvPr id="1" name=""/>
+        <p:cNvGrpSpPr/>
+        <p:nvPr/>
+      </p:nvGrpSpPr>
+      <p:grpSpPr>
+        <a:xfrm>
+          <a:off x="0" y="0"/>
+          <a:ext cx="0" cy="0"/>
+          <a:chOff x="0" y="0"/>
+          <a:chExt cx="0" cy="0"/>
+        </a:xfrm>
+      </p:grpSpPr>
+      <p:sp>
+        <p:nvSpPr>
+          <p:cNvPr id="2" name="Slide Image Placeholder 1"/>
+          <p:cNvSpPr>
+            <a:spLocks noGrp="1" noRot="1" noChangeAspect="1"/>
+          </p:cNvSpPr>
+          <p:nvPr>
+            <p:ph type="sldImg"/>
+          </p:nvPr>
+        </p:nvSpPr>
+        <p:spPr/>
+      </p:sp>
+      <p:sp>
+        <p:nvSpPr>
+          <p:cNvPr id="3" name="Notes Placeholder 2"/>
+          <p:cNvSpPr>
+            <a:spLocks noGrp="1"/>
+          </p:cNvSpPr>
+          <p:nvPr>
+            <p:ph type="body" idx="1"/>
+          </p:nvPr>
+        </p:nvSpPr>
+        <p:spPr/>
+        <p:txBody>
+          <a:bodyPr>
+            <a:normAutofit/>
+          </a:bodyPr>
+          <a:lstStyle/>
+          <a:p>
+            <a:endParaRPr lang="en-US" dirty="0"/>
+          </a:p>
+        </p:txBody>
+      </p:sp>
+      <p:sp>
+        <p:nvSpPr>
+          <p:cNvPr id="4" name="Slide Number Placeholder 3"/>
+          <p:cNvSpPr>
+            <a:spLocks noGrp="1"/>
+          </p:cNvSpPr>
+          <p:nvPr>
+            <p:ph type="sldNum" sz="quarter" idx="10"/>
+          </p:nvPr>
+        </p:nvSpPr>
+        <p:spPr/>
+        <p:txBody>
+          <a:bodyPr/>
+          <a:lstStyle/>
+          <a:p>
+            <a:fld id="{B0511807-729B-42C4-AFF6-2A42C2749713}" type="slidenum">
+              <a:rPr lang="en-US" smtClean="0"/>
+              <a:pPr/>
+              <a:t>16</a:t>
+            </a:fld>
+            <a:endParaRPr lang="en-US"/>
+          </a:p>
+        </p:txBody>
+      </p:sp>
+    </p:spTree>
+  </p:cSld>
+  <p:clrMapOvr>
+    <a:masterClrMapping/>
+  </p:clrMapOvr>
+</p:notes>
+</file>
+
+<file path=ppt/notesSlides/notesSlide17.xml><?xml version="1.0" encoding="utf-8"?>
+<p:notes xmlns:a="http://schemas.openxmlformats.org/drawingml/2006/main" xmlns:r="http://schemas.openxmlformats.org/officeDocument/2006/relationships" xmlns:p="http://schemas.openxmlformats.org/presentationml/2006/main">
+  <p:cSld>
+    <p:spTree>
+      <p:nvGrpSpPr>
+        <p:cNvPr id="1" name=""/>
+        <p:cNvGrpSpPr/>
+        <p:nvPr/>
+      </p:nvGrpSpPr>
+      <p:grpSpPr>
+        <a:xfrm>
+          <a:off x="0" y="0"/>
+          <a:ext cx="0" cy="0"/>
+          <a:chOff x="0" y="0"/>
+          <a:chExt cx="0" cy="0"/>
+        </a:xfrm>
+      </p:grpSpPr>
+      <p:sp>
+        <p:nvSpPr>
+          <p:cNvPr id="2" name="Slide Image Placeholder 1"/>
+          <p:cNvSpPr>
+            <a:spLocks noGrp="1" noRot="1" noChangeAspect="1"/>
+          </p:cNvSpPr>
+          <p:nvPr>
+            <p:ph type="sldImg"/>
+          </p:nvPr>
+        </p:nvSpPr>
+        <p:spPr/>
+      </p:sp>
+      <p:sp>
+        <p:nvSpPr>
+          <p:cNvPr id="3" name="Notes Placeholder 2"/>
+          <p:cNvSpPr>
+            <a:spLocks noGrp="1"/>
+          </p:cNvSpPr>
+          <p:nvPr>
+            <p:ph type="body" idx="1"/>
+          </p:nvPr>
+        </p:nvSpPr>
+        <p:spPr/>
+        <p:txBody>
+          <a:bodyPr>
+            <a:normAutofit/>
+          </a:bodyPr>
+          <a:lstStyle/>
+          <a:p>
+            <a:endParaRPr lang="en-US"/>
+          </a:p>
+        </p:txBody>
+      </p:sp>
+      <p:sp>
+        <p:nvSpPr>
+          <p:cNvPr id="4" name="Slide Number Placeholder 3"/>
+          <p:cNvSpPr>
+            <a:spLocks noGrp="1"/>
+          </p:cNvSpPr>
+          <p:nvPr>
+            <p:ph type="sldNum" sz="quarter" idx="10"/>
+          </p:nvPr>
+        </p:nvSpPr>
+        <p:spPr/>
+        <p:txBody>
+          <a:bodyPr/>
+          <a:lstStyle/>
+          <a:p>
+            <a:fld id="{B0511807-729B-42C4-AFF6-2A42C2749713}" type="slidenum">
+              <a:rPr lang="en-US" smtClean="0"/>
+              <a:pPr/>
+              <a:t>17</a:t>
+            </a:fld>
+            <a:endParaRPr lang="en-US"/>
+          </a:p>
+        </p:txBody>
+      </p:sp>
+    </p:spTree>
+  </p:cSld>
+  <p:clrMapOvr>
+    <a:masterClrMapping/>
+  </p:clrMapOvr>
+</p:notes>
+</file>
+
+<file path=ppt/notesSlides/notesSlide18.xml><?xml version="1.0" encoding="utf-8"?>
+<p:notes xmlns:a="http://schemas.openxmlformats.org/drawingml/2006/main" xmlns:r="http://schemas.openxmlformats.org/officeDocument/2006/relationships" xmlns:p="http://schemas.openxmlformats.org/presentationml/2006/main">
+  <p:cSld>
+    <p:spTree>
+      <p:nvGrpSpPr>
+        <p:cNvPr id="1" name=""/>
+        <p:cNvGrpSpPr/>
+        <p:nvPr/>
+      </p:nvGrpSpPr>
+      <p:grpSpPr>
+        <a:xfrm>
+          <a:off x="0" y="0"/>
+          <a:ext cx="0" cy="0"/>
+          <a:chOff x="0" y="0"/>
+          <a:chExt cx="0" cy="0"/>
+        </a:xfrm>
+      </p:grpSpPr>
+      <p:sp>
+        <p:nvSpPr>
+          <p:cNvPr id="2" name="Slide Image Placeholder 1"/>
+          <p:cNvSpPr>
+            <a:spLocks noGrp="1" noRot="1" noChangeAspect="1"/>
+          </p:cNvSpPr>
+          <p:nvPr>
+            <p:ph type="sldImg"/>
+          </p:nvPr>
+        </p:nvSpPr>
+        <p:spPr/>
+      </p:sp>
+      <p:sp>
+        <p:nvSpPr>
+          <p:cNvPr id="3" name="Notes Placeholder 2"/>
+          <p:cNvSpPr>
+            <a:spLocks noGrp="1"/>
+          </p:cNvSpPr>
+          <p:nvPr>
+            <p:ph type="body" idx="1"/>
+          </p:nvPr>
+        </p:nvSpPr>
+        <p:spPr/>
+        <p:txBody>
+          <a:bodyPr>
+            <a:normAutofit/>
+          </a:bodyPr>
+          <a:lstStyle/>
+          <a:p>
+            <a:endParaRPr lang="en-US"/>
+          </a:p>
+        </p:txBody>
+      </p:sp>
+      <p:sp>
+        <p:nvSpPr>
+          <p:cNvPr id="4" name="Slide Number Placeholder 3"/>
+          <p:cNvSpPr>
+            <a:spLocks noGrp="1"/>
+          </p:cNvSpPr>
+          <p:nvPr>
+            <p:ph type="sldNum" sz="quarter" idx="10"/>
+          </p:nvPr>
+        </p:nvSpPr>
+        <p:spPr/>
+        <p:txBody>
+          <a:bodyPr/>
+          <a:lstStyle/>
+          <a:p>
+            <a:fld id="{B0511807-729B-42C4-AFF6-2A42C2749713}" type="slidenum">
+              <a:rPr lang="en-US" smtClean="0"/>
+              <a:pPr/>
+              <a:t>18</a:t>
+            </a:fld>
+            <a:endParaRPr lang="en-US"/>
+          </a:p>
+        </p:txBody>
+      </p:sp>
+    </p:spTree>
+  </p:cSld>
+  <p:clrMapOvr>
+    <a:masterClrMapping/>
+  </p:clrMapOvr>
+</p:notes>
+</file>
+
+<file path=ppt/notesSlides/notesSlide19.xml><?xml version="1.0" encoding="utf-8"?>
+<p:notes xmlns:a="http://schemas.openxmlformats.org/drawingml/2006/main" xmlns:r="http://schemas.openxmlformats.org/officeDocument/2006/relationships" xmlns:p="http://schemas.openxmlformats.org/presentationml/2006/main">
+  <p:cSld>
+    <p:spTree>
+      <p:nvGrpSpPr>
+        <p:cNvPr id="1" name=""/>
+        <p:cNvGrpSpPr/>
+        <p:nvPr/>
+      </p:nvGrpSpPr>
+      <p:grpSpPr>
+        <a:xfrm>
+          <a:off x="0" y="0"/>
+          <a:ext cx="0" cy="0"/>
+          <a:chOff x="0" y="0"/>
+          <a:chExt cx="0" cy="0"/>
+        </a:xfrm>
+      </p:grpSpPr>
+      <p:sp>
+        <p:nvSpPr>
+          <p:cNvPr id="2" name="Slide Image Placeholder 1"/>
+          <p:cNvSpPr>
+            <a:spLocks noGrp="1" noRot="1" noChangeAspect="1"/>
+          </p:cNvSpPr>
+          <p:nvPr>
+            <p:ph type="sldImg"/>
+          </p:nvPr>
+        </p:nvSpPr>
+        <p:spPr/>
+      </p:sp>
+      <p:sp>
+        <p:nvSpPr>
+          <p:cNvPr id="3" name="Notes Placeholder 2"/>
+          <p:cNvSpPr>
+            <a:spLocks noGrp="1"/>
+          </p:cNvSpPr>
+          <p:nvPr>
+            <p:ph type="body" idx="1"/>
+          </p:nvPr>
+        </p:nvSpPr>
+        <p:spPr/>
+        <p:txBody>
+          <a:bodyPr>
+            <a:normAutofit/>
+          </a:bodyPr>
+          <a:lstStyle/>
+          <a:p>
+            <a:endParaRPr lang="en-US"/>
+          </a:p>
+        </p:txBody>
+      </p:sp>
+      <p:sp>
+        <p:nvSpPr>
+          <p:cNvPr id="4" name="Slide Number Placeholder 3"/>
+          <p:cNvSpPr>
+            <a:spLocks noGrp="1"/>
+          </p:cNvSpPr>
+          <p:nvPr>
+            <p:ph type="sldNum" sz="quarter" idx="10"/>
+          </p:nvPr>
+        </p:nvSpPr>
+        <p:spPr/>
+        <p:txBody>
+          <a:bodyPr/>
+          <a:lstStyle/>
+          <a:p>
+            <a:fld id="{B0511807-729B-42C4-AFF6-2A42C2749713}" type="slidenum">
+              <a:rPr lang="en-US" smtClean="0"/>
+              <a:pPr/>
+              <a:t>19</a:t>
+            </a:fld>
+            <a:endParaRPr lang="en-US"/>
+          </a:p>
+        </p:txBody>
+      </p:sp>
+    </p:spTree>
+  </p:cSld>
+  <p:clrMapOvr>
+    <a:masterClrMapping/>
+  </p:clrMapOvr>
+</p:notes>
+</file>
+
 <file path=ppt/notesSlides/notesSlide2.xml><?xml version="1.0" encoding="utf-8"?>
 <p:notes xmlns:a="http://schemas.openxmlformats.org/drawingml/2006/main" xmlns:r="http://schemas.openxmlformats.org/officeDocument/2006/relationships" xmlns:p="http://schemas.openxmlformats.org/presentationml/2006/main">
   <p:cSld>
@@ -607,7 +1427,7 @@
           </a:bodyPr>
           <a:lstStyle/>
           <a:p>
-            <a:endParaRPr lang="en-US" dirty="0"/>
+            <a:endParaRPr lang="en-US"/>
           </a:p>
         </p:txBody>
       </p:sp>
@@ -629,7 +1449,171 @@
             <a:fld id="{B0511807-729B-42C4-AFF6-2A42C2749713}" type="slidenum">
               <a:rPr lang="en-US" smtClean="0"/>
               <a:pPr/>
-              <a:t>3</a:t>
+              <a:t>2</a:t>
+            </a:fld>
+            <a:endParaRPr lang="en-US"/>
+          </a:p>
+        </p:txBody>
+      </p:sp>
+    </p:spTree>
+  </p:cSld>
+  <p:clrMapOvr>
+    <a:masterClrMapping/>
+  </p:clrMapOvr>
+</p:notes>
+</file>
+
+<file path=ppt/notesSlides/notesSlide20.xml><?xml version="1.0" encoding="utf-8"?>
+<p:notes xmlns:a="http://schemas.openxmlformats.org/drawingml/2006/main" xmlns:r="http://schemas.openxmlformats.org/officeDocument/2006/relationships" xmlns:p="http://schemas.openxmlformats.org/presentationml/2006/main">
+  <p:cSld>
+    <p:spTree>
+      <p:nvGrpSpPr>
+        <p:cNvPr id="1" name=""/>
+        <p:cNvGrpSpPr/>
+        <p:nvPr/>
+      </p:nvGrpSpPr>
+      <p:grpSpPr>
+        <a:xfrm>
+          <a:off x="0" y="0"/>
+          <a:ext cx="0" cy="0"/>
+          <a:chOff x="0" y="0"/>
+          <a:chExt cx="0" cy="0"/>
+        </a:xfrm>
+      </p:grpSpPr>
+      <p:sp>
+        <p:nvSpPr>
+          <p:cNvPr id="2" name="Slide Image Placeholder 1"/>
+          <p:cNvSpPr>
+            <a:spLocks noGrp="1" noRot="1" noChangeAspect="1"/>
+          </p:cNvSpPr>
+          <p:nvPr>
+            <p:ph type="sldImg"/>
+          </p:nvPr>
+        </p:nvSpPr>
+        <p:spPr/>
+      </p:sp>
+      <p:sp>
+        <p:nvSpPr>
+          <p:cNvPr id="3" name="Notes Placeholder 2"/>
+          <p:cNvSpPr>
+            <a:spLocks noGrp="1"/>
+          </p:cNvSpPr>
+          <p:nvPr>
+            <p:ph type="body" idx="1"/>
+          </p:nvPr>
+        </p:nvSpPr>
+        <p:spPr/>
+        <p:txBody>
+          <a:bodyPr>
+            <a:normAutofit/>
+          </a:bodyPr>
+          <a:lstStyle/>
+          <a:p>
+            <a:endParaRPr lang="en-US"/>
+          </a:p>
+        </p:txBody>
+      </p:sp>
+      <p:sp>
+        <p:nvSpPr>
+          <p:cNvPr id="4" name="Slide Number Placeholder 3"/>
+          <p:cNvSpPr>
+            <a:spLocks noGrp="1"/>
+          </p:cNvSpPr>
+          <p:nvPr>
+            <p:ph type="sldNum" sz="quarter" idx="10"/>
+          </p:nvPr>
+        </p:nvSpPr>
+        <p:spPr/>
+        <p:txBody>
+          <a:bodyPr/>
+          <a:lstStyle/>
+          <a:p>
+            <a:fld id="{B0511807-729B-42C4-AFF6-2A42C2749713}" type="slidenum">
+              <a:rPr lang="en-US" smtClean="0"/>
+              <a:pPr/>
+              <a:t>20</a:t>
+            </a:fld>
+            <a:endParaRPr lang="en-US"/>
+          </a:p>
+        </p:txBody>
+      </p:sp>
+    </p:spTree>
+  </p:cSld>
+  <p:clrMapOvr>
+    <a:masterClrMapping/>
+  </p:clrMapOvr>
+</p:notes>
+</file>
+
+<file path=ppt/notesSlides/notesSlide21.xml><?xml version="1.0" encoding="utf-8"?>
+<p:notes xmlns:a="http://schemas.openxmlformats.org/drawingml/2006/main" xmlns:r="http://schemas.openxmlformats.org/officeDocument/2006/relationships" xmlns:p="http://schemas.openxmlformats.org/presentationml/2006/main">
+  <p:cSld>
+    <p:spTree>
+      <p:nvGrpSpPr>
+        <p:cNvPr id="1" name=""/>
+        <p:cNvGrpSpPr/>
+        <p:nvPr/>
+      </p:nvGrpSpPr>
+      <p:grpSpPr>
+        <a:xfrm>
+          <a:off x="0" y="0"/>
+          <a:ext cx="0" cy="0"/>
+          <a:chOff x="0" y="0"/>
+          <a:chExt cx="0" cy="0"/>
+        </a:xfrm>
+      </p:grpSpPr>
+      <p:sp>
+        <p:nvSpPr>
+          <p:cNvPr id="2" name="Slide Image Placeholder 1"/>
+          <p:cNvSpPr>
+            <a:spLocks noGrp="1" noRot="1" noChangeAspect="1"/>
+          </p:cNvSpPr>
+          <p:nvPr>
+            <p:ph type="sldImg"/>
+          </p:nvPr>
+        </p:nvSpPr>
+        <p:spPr/>
+      </p:sp>
+      <p:sp>
+        <p:nvSpPr>
+          <p:cNvPr id="3" name="Notes Placeholder 2"/>
+          <p:cNvSpPr>
+            <a:spLocks noGrp="1"/>
+          </p:cNvSpPr>
+          <p:nvPr>
+            <p:ph type="body" idx="1"/>
+          </p:nvPr>
+        </p:nvSpPr>
+        <p:spPr/>
+        <p:txBody>
+          <a:bodyPr>
+            <a:normAutofit/>
+          </a:bodyPr>
+          <a:lstStyle/>
+          <a:p>
+            <a:endParaRPr lang="en-US"/>
+          </a:p>
+        </p:txBody>
+      </p:sp>
+      <p:sp>
+        <p:nvSpPr>
+          <p:cNvPr id="4" name="Slide Number Placeholder 3"/>
+          <p:cNvSpPr>
+            <a:spLocks noGrp="1"/>
+          </p:cNvSpPr>
+          <p:nvPr>
+            <p:ph type="sldNum" sz="quarter" idx="10"/>
+          </p:nvPr>
+        </p:nvSpPr>
+        <p:spPr/>
+        <p:txBody>
+          <a:bodyPr/>
+          <a:lstStyle/>
+          <a:p>
+            <a:fld id="{B0511807-729B-42C4-AFF6-2A42C2749713}" type="slidenum">
+              <a:rPr lang="en-US" smtClean="0"/>
+              <a:pPr/>
+              <a:t>21</a:t>
             </a:fld>
             <a:endParaRPr lang="en-US"/>
           </a:p>
@@ -711,7 +1695,7 @@
             <a:fld id="{B0511807-729B-42C4-AFF6-2A42C2749713}" type="slidenum">
               <a:rPr lang="en-US" smtClean="0"/>
               <a:pPr/>
-              <a:t>15</a:t>
+              <a:t>3</a:t>
             </a:fld>
             <a:endParaRPr lang="en-US"/>
           </a:p>
@@ -771,7 +1755,7 @@
           </a:bodyPr>
           <a:lstStyle/>
           <a:p>
-            <a:endParaRPr lang="en-US" dirty="0"/>
+            <a:endParaRPr lang="en-US"/>
           </a:p>
         </p:txBody>
       </p:sp>
@@ -793,7 +1777,417 @@
             <a:fld id="{B0511807-729B-42C4-AFF6-2A42C2749713}" type="slidenum">
               <a:rPr lang="en-US" smtClean="0"/>
               <a:pPr/>
-              <a:t>16</a:t>
+              <a:t>4</a:t>
+            </a:fld>
+            <a:endParaRPr lang="en-US"/>
+          </a:p>
+        </p:txBody>
+      </p:sp>
+    </p:spTree>
+  </p:cSld>
+  <p:clrMapOvr>
+    <a:masterClrMapping/>
+  </p:clrMapOvr>
+</p:notes>
+</file>
+
+<file path=ppt/notesSlides/notesSlide5.xml><?xml version="1.0" encoding="utf-8"?>
+<p:notes xmlns:a="http://schemas.openxmlformats.org/drawingml/2006/main" xmlns:r="http://schemas.openxmlformats.org/officeDocument/2006/relationships" xmlns:p="http://schemas.openxmlformats.org/presentationml/2006/main">
+  <p:cSld>
+    <p:spTree>
+      <p:nvGrpSpPr>
+        <p:cNvPr id="1" name=""/>
+        <p:cNvGrpSpPr/>
+        <p:nvPr/>
+      </p:nvGrpSpPr>
+      <p:grpSpPr>
+        <a:xfrm>
+          <a:off x="0" y="0"/>
+          <a:ext cx="0" cy="0"/>
+          <a:chOff x="0" y="0"/>
+          <a:chExt cx="0" cy="0"/>
+        </a:xfrm>
+      </p:grpSpPr>
+      <p:sp>
+        <p:nvSpPr>
+          <p:cNvPr id="2" name="Slide Image Placeholder 1"/>
+          <p:cNvSpPr>
+            <a:spLocks noGrp="1" noRot="1" noChangeAspect="1"/>
+          </p:cNvSpPr>
+          <p:nvPr>
+            <p:ph type="sldImg"/>
+          </p:nvPr>
+        </p:nvSpPr>
+        <p:spPr/>
+      </p:sp>
+      <p:sp>
+        <p:nvSpPr>
+          <p:cNvPr id="3" name="Notes Placeholder 2"/>
+          <p:cNvSpPr>
+            <a:spLocks noGrp="1"/>
+          </p:cNvSpPr>
+          <p:nvPr>
+            <p:ph type="body" idx="1"/>
+          </p:nvPr>
+        </p:nvSpPr>
+        <p:spPr/>
+        <p:txBody>
+          <a:bodyPr>
+            <a:normAutofit/>
+          </a:bodyPr>
+          <a:lstStyle/>
+          <a:p>
+            <a:endParaRPr lang="en-US"/>
+          </a:p>
+        </p:txBody>
+      </p:sp>
+      <p:sp>
+        <p:nvSpPr>
+          <p:cNvPr id="4" name="Slide Number Placeholder 3"/>
+          <p:cNvSpPr>
+            <a:spLocks noGrp="1"/>
+          </p:cNvSpPr>
+          <p:nvPr>
+            <p:ph type="sldNum" sz="quarter" idx="10"/>
+          </p:nvPr>
+        </p:nvSpPr>
+        <p:spPr/>
+        <p:txBody>
+          <a:bodyPr/>
+          <a:lstStyle/>
+          <a:p>
+            <a:fld id="{B0511807-729B-42C4-AFF6-2A42C2749713}" type="slidenum">
+              <a:rPr lang="en-US" smtClean="0"/>
+              <a:pPr/>
+              <a:t>5</a:t>
+            </a:fld>
+            <a:endParaRPr lang="en-US"/>
+          </a:p>
+        </p:txBody>
+      </p:sp>
+    </p:spTree>
+  </p:cSld>
+  <p:clrMapOvr>
+    <a:masterClrMapping/>
+  </p:clrMapOvr>
+</p:notes>
+</file>
+
+<file path=ppt/notesSlides/notesSlide6.xml><?xml version="1.0" encoding="utf-8"?>
+<p:notes xmlns:a="http://schemas.openxmlformats.org/drawingml/2006/main" xmlns:r="http://schemas.openxmlformats.org/officeDocument/2006/relationships" xmlns:p="http://schemas.openxmlformats.org/presentationml/2006/main">
+  <p:cSld>
+    <p:spTree>
+      <p:nvGrpSpPr>
+        <p:cNvPr id="1" name=""/>
+        <p:cNvGrpSpPr/>
+        <p:nvPr/>
+      </p:nvGrpSpPr>
+      <p:grpSpPr>
+        <a:xfrm>
+          <a:off x="0" y="0"/>
+          <a:ext cx="0" cy="0"/>
+          <a:chOff x="0" y="0"/>
+          <a:chExt cx="0" cy="0"/>
+        </a:xfrm>
+      </p:grpSpPr>
+      <p:sp>
+        <p:nvSpPr>
+          <p:cNvPr id="2" name="Slide Image Placeholder 1"/>
+          <p:cNvSpPr>
+            <a:spLocks noGrp="1" noRot="1" noChangeAspect="1"/>
+          </p:cNvSpPr>
+          <p:nvPr>
+            <p:ph type="sldImg"/>
+          </p:nvPr>
+        </p:nvSpPr>
+        <p:spPr/>
+      </p:sp>
+      <p:sp>
+        <p:nvSpPr>
+          <p:cNvPr id="3" name="Notes Placeholder 2"/>
+          <p:cNvSpPr>
+            <a:spLocks noGrp="1"/>
+          </p:cNvSpPr>
+          <p:nvPr>
+            <p:ph type="body" idx="1"/>
+          </p:nvPr>
+        </p:nvSpPr>
+        <p:spPr/>
+        <p:txBody>
+          <a:bodyPr>
+            <a:normAutofit/>
+          </a:bodyPr>
+          <a:lstStyle/>
+          <a:p>
+            <a:endParaRPr lang="en-US"/>
+          </a:p>
+        </p:txBody>
+      </p:sp>
+      <p:sp>
+        <p:nvSpPr>
+          <p:cNvPr id="4" name="Slide Number Placeholder 3"/>
+          <p:cNvSpPr>
+            <a:spLocks noGrp="1"/>
+          </p:cNvSpPr>
+          <p:nvPr>
+            <p:ph type="sldNum" sz="quarter" idx="10"/>
+          </p:nvPr>
+        </p:nvSpPr>
+        <p:spPr/>
+        <p:txBody>
+          <a:bodyPr/>
+          <a:lstStyle/>
+          <a:p>
+            <a:fld id="{B0511807-729B-42C4-AFF6-2A42C2749713}" type="slidenum">
+              <a:rPr lang="en-US" smtClean="0"/>
+              <a:pPr/>
+              <a:t>6</a:t>
+            </a:fld>
+            <a:endParaRPr lang="en-US"/>
+          </a:p>
+        </p:txBody>
+      </p:sp>
+    </p:spTree>
+  </p:cSld>
+  <p:clrMapOvr>
+    <a:masterClrMapping/>
+  </p:clrMapOvr>
+</p:notes>
+</file>
+
+<file path=ppt/notesSlides/notesSlide7.xml><?xml version="1.0" encoding="utf-8"?>
+<p:notes xmlns:a="http://schemas.openxmlformats.org/drawingml/2006/main" xmlns:r="http://schemas.openxmlformats.org/officeDocument/2006/relationships" xmlns:p="http://schemas.openxmlformats.org/presentationml/2006/main">
+  <p:cSld>
+    <p:spTree>
+      <p:nvGrpSpPr>
+        <p:cNvPr id="1" name=""/>
+        <p:cNvGrpSpPr/>
+        <p:nvPr/>
+      </p:nvGrpSpPr>
+      <p:grpSpPr>
+        <a:xfrm>
+          <a:off x="0" y="0"/>
+          <a:ext cx="0" cy="0"/>
+          <a:chOff x="0" y="0"/>
+          <a:chExt cx="0" cy="0"/>
+        </a:xfrm>
+      </p:grpSpPr>
+      <p:sp>
+        <p:nvSpPr>
+          <p:cNvPr id="2" name="Slide Image Placeholder 1"/>
+          <p:cNvSpPr>
+            <a:spLocks noGrp="1" noRot="1" noChangeAspect="1"/>
+          </p:cNvSpPr>
+          <p:nvPr>
+            <p:ph type="sldImg"/>
+          </p:nvPr>
+        </p:nvSpPr>
+        <p:spPr/>
+      </p:sp>
+      <p:sp>
+        <p:nvSpPr>
+          <p:cNvPr id="3" name="Notes Placeholder 2"/>
+          <p:cNvSpPr>
+            <a:spLocks noGrp="1"/>
+          </p:cNvSpPr>
+          <p:nvPr>
+            <p:ph type="body" idx="1"/>
+          </p:nvPr>
+        </p:nvSpPr>
+        <p:spPr/>
+        <p:txBody>
+          <a:bodyPr>
+            <a:normAutofit/>
+          </a:bodyPr>
+          <a:lstStyle/>
+          <a:p>
+            <a:endParaRPr lang="en-US"/>
+          </a:p>
+        </p:txBody>
+      </p:sp>
+      <p:sp>
+        <p:nvSpPr>
+          <p:cNvPr id="4" name="Slide Number Placeholder 3"/>
+          <p:cNvSpPr>
+            <a:spLocks noGrp="1"/>
+          </p:cNvSpPr>
+          <p:nvPr>
+            <p:ph type="sldNum" sz="quarter" idx="10"/>
+          </p:nvPr>
+        </p:nvSpPr>
+        <p:spPr/>
+        <p:txBody>
+          <a:bodyPr/>
+          <a:lstStyle/>
+          <a:p>
+            <a:fld id="{B0511807-729B-42C4-AFF6-2A42C2749713}" type="slidenum">
+              <a:rPr lang="en-US" smtClean="0"/>
+              <a:pPr/>
+              <a:t>7</a:t>
+            </a:fld>
+            <a:endParaRPr lang="en-US"/>
+          </a:p>
+        </p:txBody>
+      </p:sp>
+    </p:spTree>
+  </p:cSld>
+  <p:clrMapOvr>
+    <a:masterClrMapping/>
+  </p:clrMapOvr>
+</p:notes>
+</file>
+
+<file path=ppt/notesSlides/notesSlide8.xml><?xml version="1.0" encoding="utf-8"?>
+<p:notes xmlns:a="http://schemas.openxmlformats.org/drawingml/2006/main" xmlns:r="http://schemas.openxmlformats.org/officeDocument/2006/relationships" xmlns:p="http://schemas.openxmlformats.org/presentationml/2006/main">
+  <p:cSld>
+    <p:spTree>
+      <p:nvGrpSpPr>
+        <p:cNvPr id="1" name=""/>
+        <p:cNvGrpSpPr/>
+        <p:nvPr/>
+      </p:nvGrpSpPr>
+      <p:grpSpPr>
+        <a:xfrm>
+          <a:off x="0" y="0"/>
+          <a:ext cx="0" cy="0"/>
+          <a:chOff x="0" y="0"/>
+          <a:chExt cx="0" cy="0"/>
+        </a:xfrm>
+      </p:grpSpPr>
+      <p:sp>
+        <p:nvSpPr>
+          <p:cNvPr id="2" name="Slide Image Placeholder 1"/>
+          <p:cNvSpPr>
+            <a:spLocks noGrp="1" noRot="1" noChangeAspect="1"/>
+          </p:cNvSpPr>
+          <p:nvPr>
+            <p:ph type="sldImg"/>
+          </p:nvPr>
+        </p:nvSpPr>
+        <p:spPr/>
+      </p:sp>
+      <p:sp>
+        <p:nvSpPr>
+          <p:cNvPr id="3" name="Notes Placeholder 2"/>
+          <p:cNvSpPr>
+            <a:spLocks noGrp="1"/>
+          </p:cNvSpPr>
+          <p:nvPr>
+            <p:ph type="body" idx="1"/>
+          </p:nvPr>
+        </p:nvSpPr>
+        <p:spPr/>
+        <p:txBody>
+          <a:bodyPr>
+            <a:normAutofit/>
+          </a:bodyPr>
+          <a:lstStyle/>
+          <a:p>
+            <a:endParaRPr lang="en-US"/>
+          </a:p>
+        </p:txBody>
+      </p:sp>
+      <p:sp>
+        <p:nvSpPr>
+          <p:cNvPr id="4" name="Slide Number Placeholder 3"/>
+          <p:cNvSpPr>
+            <a:spLocks noGrp="1"/>
+          </p:cNvSpPr>
+          <p:nvPr>
+            <p:ph type="sldNum" sz="quarter" idx="10"/>
+          </p:nvPr>
+        </p:nvSpPr>
+        <p:spPr/>
+        <p:txBody>
+          <a:bodyPr/>
+          <a:lstStyle/>
+          <a:p>
+            <a:fld id="{B0511807-729B-42C4-AFF6-2A42C2749713}" type="slidenum">
+              <a:rPr lang="en-US" smtClean="0"/>
+              <a:pPr/>
+              <a:t>8</a:t>
+            </a:fld>
+            <a:endParaRPr lang="en-US"/>
+          </a:p>
+        </p:txBody>
+      </p:sp>
+    </p:spTree>
+  </p:cSld>
+  <p:clrMapOvr>
+    <a:masterClrMapping/>
+  </p:clrMapOvr>
+</p:notes>
+</file>
+
+<file path=ppt/notesSlides/notesSlide9.xml><?xml version="1.0" encoding="utf-8"?>
+<p:notes xmlns:a="http://schemas.openxmlformats.org/drawingml/2006/main" xmlns:r="http://schemas.openxmlformats.org/officeDocument/2006/relationships" xmlns:p="http://schemas.openxmlformats.org/presentationml/2006/main">
+  <p:cSld>
+    <p:spTree>
+      <p:nvGrpSpPr>
+        <p:cNvPr id="1" name=""/>
+        <p:cNvGrpSpPr/>
+        <p:nvPr/>
+      </p:nvGrpSpPr>
+      <p:grpSpPr>
+        <a:xfrm>
+          <a:off x="0" y="0"/>
+          <a:ext cx="0" cy="0"/>
+          <a:chOff x="0" y="0"/>
+          <a:chExt cx="0" cy="0"/>
+        </a:xfrm>
+      </p:grpSpPr>
+      <p:sp>
+        <p:nvSpPr>
+          <p:cNvPr id="2" name="Slide Image Placeholder 1"/>
+          <p:cNvSpPr>
+            <a:spLocks noGrp="1" noRot="1" noChangeAspect="1"/>
+          </p:cNvSpPr>
+          <p:nvPr>
+            <p:ph type="sldImg"/>
+          </p:nvPr>
+        </p:nvSpPr>
+        <p:spPr/>
+      </p:sp>
+      <p:sp>
+        <p:nvSpPr>
+          <p:cNvPr id="3" name="Notes Placeholder 2"/>
+          <p:cNvSpPr>
+            <a:spLocks noGrp="1"/>
+          </p:cNvSpPr>
+          <p:nvPr>
+            <p:ph type="body" idx="1"/>
+          </p:nvPr>
+        </p:nvSpPr>
+        <p:spPr/>
+        <p:txBody>
+          <a:bodyPr>
+            <a:normAutofit/>
+          </a:bodyPr>
+          <a:lstStyle/>
+          <a:p>
+            <a:endParaRPr lang="en-US"/>
+          </a:p>
+        </p:txBody>
+      </p:sp>
+      <p:sp>
+        <p:nvSpPr>
+          <p:cNvPr id="4" name="Slide Number Placeholder 3"/>
+          <p:cNvSpPr>
+            <a:spLocks noGrp="1"/>
+          </p:cNvSpPr>
+          <p:nvPr>
+            <p:ph type="sldNum" sz="quarter" idx="10"/>
+          </p:nvPr>
+        </p:nvSpPr>
+        <p:spPr/>
+        <p:txBody>
+          <a:bodyPr/>
+          <a:lstStyle/>
+          <a:p>
+            <a:fld id="{B0511807-729B-42C4-AFF6-2A42C2749713}" type="slidenum">
+              <a:rPr lang="en-US" smtClean="0"/>
+              <a:pPr/>
+              <a:t>9</a:t>
             </a:fld>
             <a:endParaRPr lang="en-US"/>
           </a:p>
@@ -981,7 +2375,7 @@
             <a:fld id="{60D031E8-CA3C-4208-A7FA-7F59521C15CB}" type="datetimeFigureOut">
               <a:rPr lang="en-US" smtClean="0"/>
               <a:pPr/>
-              <a:t>3/14/2010</a:t>
+              <a:t>4/10/2010</a:t>
             </a:fld>
             <a:endParaRPr lang="en-US"/>
           </a:p>
@@ -1148,7 +2542,7 @@
             <a:fld id="{60D031E8-CA3C-4208-A7FA-7F59521C15CB}" type="datetimeFigureOut">
               <a:rPr lang="en-US" smtClean="0"/>
               <a:pPr/>
-              <a:t>3/14/2010</a:t>
+              <a:t>4/10/2010</a:t>
             </a:fld>
             <a:endParaRPr lang="en-US"/>
           </a:p>
@@ -1325,7 +2719,7 @@
             <a:fld id="{60D031E8-CA3C-4208-A7FA-7F59521C15CB}" type="datetimeFigureOut">
               <a:rPr lang="en-US" smtClean="0"/>
               <a:pPr/>
-              <a:t>3/14/2010</a:t>
+              <a:t>4/10/2010</a:t>
             </a:fld>
             <a:endParaRPr lang="en-US"/>
           </a:p>
@@ -1492,7 +2886,7 @@
             <a:fld id="{60D031E8-CA3C-4208-A7FA-7F59521C15CB}" type="datetimeFigureOut">
               <a:rPr lang="en-US" smtClean="0"/>
               <a:pPr/>
-              <a:t>3/14/2010</a:t>
+              <a:t>4/10/2010</a:t>
             </a:fld>
             <a:endParaRPr lang="en-US"/>
           </a:p>
@@ -1736,7 +3130,7 @@
             <a:fld id="{60D031E8-CA3C-4208-A7FA-7F59521C15CB}" type="datetimeFigureOut">
               <a:rPr lang="en-US" smtClean="0"/>
               <a:pPr/>
-              <a:t>3/14/2010</a:t>
+              <a:t>4/10/2010</a:t>
             </a:fld>
             <a:endParaRPr lang="en-US"/>
           </a:p>
@@ -2002,7 +3396,7 @@
             <a:fld id="{60D031E8-CA3C-4208-A7FA-7F59521C15CB}" type="datetimeFigureOut">
               <a:rPr lang="en-US" smtClean="0"/>
               <a:pPr/>
-              <a:t>3/14/2010</a:t>
+              <a:t>4/10/2010</a:t>
             </a:fld>
             <a:endParaRPr lang="en-US"/>
           </a:p>
@@ -2382,7 +3776,7 @@
             <a:fld id="{60D031E8-CA3C-4208-A7FA-7F59521C15CB}" type="datetimeFigureOut">
               <a:rPr lang="en-US" smtClean="0"/>
               <a:pPr/>
-              <a:t>3/14/2010</a:t>
+              <a:t>4/10/2010</a:t>
             </a:fld>
             <a:endParaRPr lang="en-US"/>
           </a:p>
@@ -2534,7 +3928,7 @@
             <a:fld id="{60D031E8-CA3C-4208-A7FA-7F59521C15CB}" type="datetimeFigureOut">
               <a:rPr lang="en-US" smtClean="0"/>
               <a:pPr/>
-              <a:t>3/14/2010</a:t>
+              <a:t>4/10/2010</a:t>
             </a:fld>
             <a:endParaRPr lang="en-US"/>
           </a:p>
@@ -2626,7 +4020,7 @@
             <a:fld id="{60D031E8-CA3C-4208-A7FA-7F59521C15CB}" type="datetimeFigureOut">
               <a:rPr lang="en-US" smtClean="0"/>
               <a:pPr/>
-              <a:t>3/14/2010</a:t>
+              <a:t>4/10/2010</a:t>
             </a:fld>
             <a:endParaRPr lang="en-US"/>
           </a:p>
@@ -2889,7 +4283,7 @@
             <a:fld id="{60D031E8-CA3C-4208-A7FA-7F59521C15CB}" type="datetimeFigureOut">
               <a:rPr lang="en-US" smtClean="0"/>
               <a:pPr/>
-              <a:t>3/14/2010</a:t>
+              <a:t>4/10/2010</a:t>
             </a:fld>
             <a:endParaRPr lang="en-US"/>
           </a:p>
@@ -3179,7 +4573,7 @@
             <a:fld id="{60D031E8-CA3C-4208-A7FA-7F59521C15CB}" type="datetimeFigureOut">
               <a:rPr lang="en-US" smtClean="0"/>
               <a:pPr/>
-              <a:t>3/14/2010</a:t>
+              <a:t>4/10/2010</a:t>
             </a:fld>
             <a:endParaRPr lang="en-US"/>
           </a:p>
@@ -3952,7 +5346,7 @@
             <a:fld id="{60D031E8-CA3C-4208-A7FA-7F59521C15CB}" type="datetimeFigureOut">
               <a:rPr lang="en-US" smtClean="0"/>
               <a:pPr/>
-              <a:t>3/14/2010</a:t>
+              <a:t>4/10/2010</a:t>
             </a:fld>
             <a:endParaRPr lang="en-US"/>
           </a:p>
@@ -4734,7 +6128,7 @@
           <p:nvPr/>
         </p:nvPicPr>
         <p:blipFill>
-          <a:blip r:embed="rId2"/>
+          <a:blip r:embed="rId3"/>
           <a:srcRect/>
           <a:stretch>
             <a:fillRect/>
@@ -4955,7 +6349,7 @@
           <p:nvPr/>
         </p:nvPicPr>
         <p:blipFill>
-          <a:blip r:embed="rId2"/>
+          <a:blip r:embed="rId3"/>
           <a:srcRect/>
           <a:stretch>
             <a:fillRect/>
@@ -5074,7 +6468,7 @@
           </p:nvPr>
         </p:nvPicPr>
         <p:blipFill>
-          <a:blip r:embed="rId2"/>
+          <a:blip r:embed="rId3"/>
           <a:srcRect/>
           <a:stretch>
             <a:fillRect/>
@@ -5107,7 +6501,7 @@
           <p:nvPr/>
         </p:nvPicPr>
         <p:blipFill>
-          <a:blip r:embed="rId3"/>
+          <a:blip r:embed="rId4"/>
           <a:srcRect/>
           <a:stretch>
             <a:fillRect/>
@@ -5226,7 +6620,7 @@
           </p:nvPr>
         </p:nvPicPr>
         <p:blipFill>
-          <a:blip r:embed="rId2"/>
+          <a:blip r:embed="rId3"/>
           <a:srcRect/>
           <a:stretch>
             <a:fillRect/>
@@ -5259,7 +6653,7 @@
           <p:nvPr/>
         </p:nvPicPr>
         <p:blipFill>
-          <a:blip r:embed="rId3"/>
+          <a:blip r:embed="rId4"/>
           <a:srcRect/>
           <a:stretch>
             <a:fillRect/>
@@ -5292,7 +6686,7 @@
           <p:nvPr/>
         </p:nvPicPr>
         <p:blipFill>
-          <a:blip r:embed="rId4"/>
+          <a:blip r:embed="rId5"/>
           <a:srcRect/>
           <a:stretch>
             <a:fillRect/>
@@ -5657,7 +7051,7 @@
           </p:nvPr>
         </p:nvPicPr>
         <p:blipFill>
-          <a:blip r:embed="rId2"/>
+          <a:blip r:embed="rId3"/>
           <a:srcRect/>
           <a:stretch>
             <a:fillRect/>
@@ -5926,11 +7320,7 @@
           <a:p>
             <a:r>
               <a:rPr lang="en-US" dirty="0" smtClean="0"/>
-              <a:t>Projection index with fixed size of elements and then increasing the number of different elements from 2 </a:t>
-            </a:r>
-            <a:r>
-              <a:rPr lang="en-US" dirty="0" smtClean="0"/>
-              <a:t>different to having all elements with </a:t>
+              <a:t>Projection index with fixed size of elements and then increasing the number of different elements from 2 different to having all elements with </a:t>
             </a:r>
             <a:r>
               <a:rPr lang="en-US" smtClean="0"/>
@@ -6596,7 +7986,7 @@
             </a:r>
             <a:r>
               <a:rPr lang="en-US" sz="2800" dirty="0" smtClean="0">
-                <a:hlinkClick r:id="rId2" action="ppaction://hlinksldjump"/>
+                <a:hlinkClick r:id="rId3" action="ppaction://hlinksldjump"/>
               </a:rPr>
               <a:t>RLE </a:t>
             </a:r>
@@ -6992,7 +8382,12 @@
             <p:ph type="title"/>
           </p:nvPr>
         </p:nvSpPr>
-        <p:spPr/>
+        <p:spPr>
+          <a:xfrm>
+            <a:off x="457200" y="685800"/>
+            <a:ext cx="8229600" cy="1143000"/>
+          </a:xfrm>
+        </p:spPr>
         <p:txBody>
           <a:bodyPr/>
           <a:lstStyle/>
@@ -7790,7 +9185,7 @@
           <p:nvPr/>
         </p:nvPicPr>
         <p:blipFill>
-          <a:blip r:embed="rId2"/>
+          <a:blip r:embed="rId3"/>
           <a:srcRect/>
           <a:stretch>
             <a:fillRect/>

--- a/proj/InterimPresentation.pptx
+++ b/proj/InterimPresentation.pptx
@@ -1,6 +1,6 @@
 
 <file path=ppt/presentation.xml><?xml version="1.0" encoding="utf-8"?>
-<p:presentation xmlns:a="http://schemas.openxmlformats.org/drawingml/2006/main" xmlns:r="http://schemas.openxmlformats.org/officeDocument/2006/relationships" xmlns:p="http://schemas.openxmlformats.org/presentationml/2006/main" saveSubsetFonts="1">
+<p:presentation xmlns:a="http://schemas.openxmlformats.org/drawingml/2006/main" xmlns:r="http://schemas.openxmlformats.org/officeDocument/2006/relationships" xmlns:mc="http://schemas.openxmlformats.org/markup-compatibility/2006" xmlns:mv="urn:schemas-microsoft-com:mac:vml" xmlns:p="http://schemas.openxmlformats.org/presentationml/2006/main" mc:Ignorable="mv" mc:PreserveAttributes="mv:*" saveSubsetFonts="1">
   <p:sldMasterIdLst>
     <p:sldMasterId id="2147483660" r:id="rId1"/>
   </p:sldMasterIdLst>
@@ -131,7 +131,7 @@
 </file>
 
 <file path=ppt/notesMasters/notesMaster1.xml><?xml version="1.0" encoding="utf-8"?>
-<p:notesMaster xmlns:a="http://schemas.openxmlformats.org/drawingml/2006/main" xmlns:r="http://schemas.openxmlformats.org/officeDocument/2006/relationships" xmlns:p="http://schemas.openxmlformats.org/presentationml/2006/main">
+<p:notesMaster xmlns:a="http://schemas.openxmlformats.org/drawingml/2006/main" xmlns:r="http://schemas.openxmlformats.org/officeDocument/2006/relationships" xmlns:mc="http://schemas.openxmlformats.org/markup-compatibility/2006" xmlns:mv="urn:schemas-microsoft-com:mac:vml" xmlns:p="http://schemas.openxmlformats.org/presentationml/2006/main" mc:Ignorable="mv" mc:PreserveAttributes="mv:*">
   <p:cSld>
     <p:bg>
       <p:bgRef idx="1001">
@@ -213,7 +213,7 @@
             <a:fld id="{B1276544-A668-4050-9B33-F4CC7A6280CC}" type="datetimeFigureOut">
               <a:rPr lang="en-US" smtClean="0"/>
               <a:pPr/>
-              <a:t>4/10/2010</a:t>
+              <a:t>4/12/10</a:t>
             </a:fld>
             <a:endParaRPr lang="en-US"/>
           </a:p>
@@ -480,7 +480,7 @@
 </file>
 
 <file path=ppt/notesSlides/notesSlide1.xml><?xml version="1.0" encoding="utf-8"?>
-<p:notes xmlns:a="http://schemas.openxmlformats.org/drawingml/2006/main" xmlns:r="http://schemas.openxmlformats.org/officeDocument/2006/relationships" xmlns:p="http://schemas.openxmlformats.org/presentationml/2006/main">
+<p:notes xmlns:a="http://schemas.openxmlformats.org/drawingml/2006/main" xmlns:r="http://schemas.openxmlformats.org/officeDocument/2006/relationships" xmlns:mc="http://schemas.openxmlformats.org/markup-compatibility/2006" xmlns:mv="urn:schemas-microsoft-com:mac:vml" xmlns:p="http://schemas.openxmlformats.org/presentationml/2006/main" mc:Ignorable="mv" mc:PreserveAttributes="mv:*">
   <p:cSld>
     <p:spTree>
       <p:nvGrpSpPr>
@@ -562,7 +562,7 @@
 </file>
 
 <file path=ppt/notesSlides/notesSlide10.xml><?xml version="1.0" encoding="utf-8"?>
-<p:notes xmlns:a="http://schemas.openxmlformats.org/drawingml/2006/main" xmlns:r="http://schemas.openxmlformats.org/officeDocument/2006/relationships" xmlns:p="http://schemas.openxmlformats.org/presentationml/2006/main">
+<p:notes xmlns:a="http://schemas.openxmlformats.org/drawingml/2006/main" xmlns:r="http://schemas.openxmlformats.org/officeDocument/2006/relationships" xmlns:mc="http://schemas.openxmlformats.org/markup-compatibility/2006" xmlns:mv="urn:schemas-microsoft-com:mac:vml" xmlns:p="http://schemas.openxmlformats.org/presentationml/2006/main" mc:Ignorable="mv" mc:PreserveAttributes="mv:*">
   <p:cSld>
     <p:spTree>
       <p:nvGrpSpPr>
@@ -644,7 +644,7 @@
 </file>
 
 <file path=ppt/notesSlides/notesSlide11.xml><?xml version="1.0" encoding="utf-8"?>
-<p:notes xmlns:a="http://schemas.openxmlformats.org/drawingml/2006/main" xmlns:r="http://schemas.openxmlformats.org/officeDocument/2006/relationships" xmlns:p="http://schemas.openxmlformats.org/presentationml/2006/main">
+<p:notes xmlns:a="http://schemas.openxmlformats.org/drawingml/2006/main" xmlns:r="http://schemas.openxmlformats.org/officeDocument/2006/relationships" xmlns:mc="http://schemas.openxmlformats.org/markup-compatibility/2006" xmlns:mv="urn:schemas-microsoft-com:mac:vml" xmlns:p="http://schemas.openxmlformats.org/presentationml/2006/main" mc:Ignorable="mv" mc:PreserveAttributes="mv:*">
   <p:cSld>
     <p:spTree>
       <p:nvGrpSpPr>
@@ -726,7 +726,7 @@
 </file>
 
 <file path=ppt/notesSlides/notesSlide12.xml><?xml version="1.0" encoding="utf-8"?>
-<p:notes xmlns:a="http://schemas.openxmlformats.org/drawingml/2006/main" xmlns:r="http://schemas.openxmlformats.org/officeDocument/2006/relationships" xmlns:p="http://schemas.openxmlformats.org/presentationml/2006/main">
+<p:notes xmlns:a="http://schemas.openxmlformats.org/drawingml/2006/main" xmlns:r="http://schemas.openxmlformats.org/officeDocument/2006/relationships" xmlns:mc="http://schemas.openxmlformats.org/markup-compatibility/2006" xmlns:mv="urn:schemas-microsoft-com:mac:vml" xmlns:p="http://schemas.openxmlformats.org/presentationml/2006/main" mc:Ignorable="mv" mc:PreserveAttributes="mv:*">
   <p:cSld>
     <p:spTree>
       <p:nvGrpSpPr>
@@ -808,7 +808,7 @@
 </file>
 
 <file path=ppt/notesSlides/notesSlide13.xml><?xml version="1.0" encoding="utf-8"?>
-<p:notes xmlns:a="http://schemas.openxmlformats.org/drawingml/2006/main" xmlns:r="http://schemas.openxmlformats.org/officeDocument/2006/relationships" xmlns:p="http://schemas.openxmlformats.org/presentationml/2006/main">
+<p:notes xmlns:a="http://schemas.openxmlformats.org/drawingml/2006/main" xmlns:r="http://schemas.openxmlformats.org/officeDocument/2006/relationships" xmlns:mc="http://schemas.openxmlformats.org/markup-compatibility/2006" xmlns:mv="urn:schemas-microsoft-com:mac:vml" xmlns:p="http://schemas.openxmlformats.org/presentationml/2006/main" mc:Ignorable="mv" mc:PreserveAttributes="mv:*">
   <p:cSld>
     <p:spTree>
       <p:nvGrpSpPr>
@@ -890,7 +890,7 @@
 </file>
 
 <file path=ppt/notesSlides/notesSlide14.xml><?xml version="1.0" encoding="utf-8"?>
-<p:notes xmlns:a="http://schemas.openxmlformats.org/drawingml/2006/main" xmlns:r="http://schemas.openxmlformats.org/officeDocument/2006/relationships" xmlns:p="http://schemas.openxmlformats.org/presentationml/2006/main">
+<p:notes xmlns:a="http://schemas.openxmlformats.org/drawingml/2006/main" xmlns:r="http://schemas.openxmlformats.org/officeDocument/2006/relationships" xmlns:mc="http://schemas.openxmlformats.org/markup-compatibility/2006" xmlns:mv="urn:schemas-microsoft-com:mac:vml" xmlns:p="http://schemas.openxmlformats.org/presentationml/2006/main" mc:Ignorable="mv" mc:PreserveAttributes="mv:*">
   <p:cSld>
     <p:spTree>
       <p:nvGrpSpPr>
@@ -972,7 +972,7 @@
 </file>
 
 <file path=ppt/notesSlides/notesSlide15.xml><?xml version="1.0" encoding="utf-8"?>
-<p:notes xmlns:a="http://schemas.openxmlformats.org/drawingml/2006/main" xmlns:r="http://schemas.openxmlformats.org/officeDocument/2006/relationships" xmlns:p="http://schemas.openxmlformats.org/presentationml/2006/main">
+<p:notes xmlns:a="http://schemas.openxmlformats.org/drawingml/2006/main" xmlns:r="http://schemas.openxmlformats.org/officeDocument/2006/relationships" xmlns:mc="http://schemas.openxmlformats.org/markup-compatibility/2006" xmlns:mv="urn:schemas-microsoft-com:mac:vml" xmlns:p="http://schemas.openxmlformats.org/presentationml/2006/main" mc:Ignorable="mv" mc:PreserveAttributes="mv:*">
   <p:cSld>
     <p:spTree>
       <p:nvGrpSpPr>
@@ -1054,7 +1054,7 @@
 </file>
 
 <file path=ppt/notesSlides/notesSlide16.xml><?xml version="1.0" encoding="utf-8"?>
-<p:notes xmlns:a="http://schemas.openxmlformats.org/drawingml/2006/main" xmlns:r="http://schemas.openxmlformats.org/officeDocument/2006/relationships" xmlns:p="http://schemas.openxmlformats.org/presentationml/2006/main">
+<p:notes xmlns:a="http://schemas.openxmlformats.org/drawingml/2006/main" xmlns:r="http://schemas.openxmlformats.org/officeDocument/2006/relationships" xmlns:mc="http://schemas.openxmlformats.org/markup-compatibility/2006" xmlns:mv="urn:schemas-microsoft-com:mac:vml" xmlns:p="http://schemas.openxmlformats.org/presentationml/2006/main" mc:Ignorable="mv" mc:PreserveAttributes="mv:*">
   <p:cSld>
     <p:spTree>
       <p:nvGrpSpPr>
@@ -1136,7 +1136,7 @@
 </file>
 
 <file path=ppt/notesSlides/notesSlide17.xml><?xml version="1.0" encoding="utf-8"?>
-<p:notes xmlns:a="http://schemas.openxmlformats.org/drawingml/2006/main" xmlns:r="http://schemas.openxmlformats.org/officeDocument/2006/relationships" xmlns:p="http://schemas.openxmlformats.org/presentationml/2006/main">
+<p:notes xmlns:a="http://schemas.openxmlformats.org/drawingml/2006/main" xmlns:r="http://schemas.openxmlformats.org/officeDocument/2006/relationships" xmlns:mc="http://schemas.openxmlformats.org/markup-compatibility/2006" xmlns:mv="urn:schemas-microsoft-com:mac:vml" xmlns:p="http://schemas.openxmlformats.org/presentationml/2006/main" mc:Ignorable="mv" mc:PreserveAttributes="mv:*">
   <p:cSld>
     <p:spTree>
       <p:nvGrpSpPr>
@@ -1218,7 +1218,7 @@
 </file>
 
 <file path=ppt/notesSlides/notesSlide18.xml><?xml version="1.0" encoding="utf-8"?>
-<p:notes xmlns:a="http://schemas.openxmlformats.org/drawingml/2006/main" xmlns:r="http://schemas.openxmlformats.org/officeDocument/2006/relationships" xmlns:p="http://schemas.openxmlformats.org/presentationml/2006/main">
+<p:notes xmlns:a="http://schemas.openxmlformats.org/drawingml/2006/main" xmlns:r="http://schemas.openxmlformats.org/officeDocument/2006/relationships" xmlns:mc="http://schemas.openxmlformats.org/markup-compatibility/2006" xmlns:mv="urn:schemas-microsoft-com:mac:vml" xmlns:p="http://schemas.openxmlformats.org/presentationml/2006/main" mc:Ignorable="mv" mc:PreserveAttributes="mv:*">
   <p:cSld>
     <p:spTree>
       <p:nvGrpSpPr>
@@ -1300,7 +1300,7 @@
 </file>
 
 <file path=ppt/notesSlides/notesSlide19.xml><?xml version="1.0" encoding="utf-8"?>
-<p:notes xmlns:a="http://schemas.openxmlformats.org/drawingml/2006/main" xmlns:r="http://schemas.openxmlformats.org/officeDocument/2006/relationships" xmlns:p="http://schemas.openxmlformats.org/presentationml/2006/main">
+<p:notes xmlns:a="http://schemas.openxmlformats.org/drawingml/2006/main" xmlns:r="http://schemas.openxmlformats.org/officeDocument/2006/relationships" xmlns:mc="http://schemas.openxmlformats.org/markup-compatibility/2006" xmlns:mv="urn:schemas-microsoft-com:mac:vml" xmlns:p="http://schemas.openxmlformats.org/presentationml/2006/main" mc:Ignorable="mv" mc:PreserveAttributes="mv:*">
   <p:cSld>
     <p:spTree>
       <p:nvGrpSpPr>
@@ -1382,7 +1382,7 @@
 </file>
 
 <file path=ppt/notesSlides/notesSlide2.xml><?xml version="1.0" encoding="utf-8"?>
-<p:notes xmlns:a="http://schemas.openxmlformats.org/drawingml/2006/main" xmlns:r="http://schemas.openxmlformats.org/officeDocument/2006/relationships" xmlns:p="http://schemas.openxmlformats.org/presentationml/2006/main">
+<p:notes xmlns:a="http://schemas.openxmlformats.org/drawingml/2006/main" xmlns:r="http://schemas.openxmlformats.org/officeDocument/2006/relationships" xmlns:mc="http://schemas.openxmlformats.org/markup-compatibility/2006" xmlns:mv="urn:schemas-microsoft-com:mac:vml" xmlns:p="http://schemas.openxmlformats.org/presentationml/2006/main" mc:Ignorable="mv" mc:PreserveAttributes="mv:*">
   <p:cSld>
     <p:spTree>
       <p:nvGrpSpPr>
@@ -1464,7 +1464,7 @@
 </file>
 
 <file path=ppt/notesSlides/notesSlide20.xml><?xml version="1.0" encoding="utf-8"?>
-<p:notes xmlns:a="http://schemas.openxmlformats.org/drawingml/2006/main" xmlns:r="http://schemas.openxmlformats.org/officeDocument/2006/relationships" xmlns:p="http://schemas.openxmlformats.org/presentationml/2006/main">
+<p:notes xmlns:a="http://schemas.openxmlformats.org/drawingml/2006/main" xmlns:r="http://schemas.openxmlformats.org/officeDocument/2006/relationships" xmlns:mc="http://schemas.openxmlformats.org/markup-compatibility/2006" xmlns:mv="urn:schemas-microsoft-com:mac:vml" xmlns:p="http://schemas.openxmlformats.org/presentationml/2006/main" mc:Ignorable="mv" mc:PreserveAttributes="mv:*">
   <p:cSld>
     <p:spTree>
       <p:nvGrpSpPr>
@@ -1546,7 +1546,7 @@
 </file>
 
 <file path=ppt/notesSlides/notesSlide21.xml><?xml version="1.0" encoding="utf-8"?>
-<p:notes xmlns:a="http://schemas.openxmlformats.org/drawingml/2006/main" xmlns:r="http://schemas.openxmlformats.org/officeDocument/2006/relationships" xmlns:p="http://schemas.openxmlformats.org/presentationml/2006/main">
+<p:notes xmlns:a="http://schemas.openxmlformats.org/drawingml/2006/main" xmlns:r="http://schemas.openxmlformats.org/officeDocument/2006/relationships" xmlns:mc="http://schemas.openxmlformats.org/markup-compatibility/2006" xmlns:mv="urn:schemas-microsoft-com:mac:vml" xmlns:p="http://schemas.openxmlformats.org/presentationml/2006/main" mc:Ignorable="mv" mc:PreserveAttributes="mv:*">
   <p:cSld>
     <p:spTree>
       <p:nvGrpSpPr>
@@ -1628,7 +1628,7 @@
 </file>
 
 <file path=ppt/notesSlides/notesSlide3.xml><?xml version="1.0" encoding="utf-8"?>
-<p:notes xmlns:a="http://schemas.openxmlformats.org/drawingml/2006/main" xmlns:r="http://schemas.openxmlformats.org/officeDocument/2006/relationships" xmlns:p="http://schemas.openxmlformats.org/presentationml/2006/main">
+<p:notes xmlns:a="http://schemas.openxmlformats.org/drawingml/2006/main" xmlns:r="http://schemas.openxmlformats.org/officeDocument/2006/relationships" xmlns:mc="http://schemas.openxmlformats.org/markup-compatibility/2006" xmlns:mv="urn:schemas-microsoft-com:mac:vml" xmlns:p="http://schemas.openxmlformats.org/presentationml/2006/main" mc:Ignorable="mv" mc:PreserveAttributes="mv:*">
   <p:cSld>
     <p:spTree>
       <p:nvGrpSpPr>
@@ -1710,7 +1710,7 @@
 </file>
 
 <file path=ppt/notesSlides/notesSlide4.xml><?xml version="1.0" encoding="utf-8"?>
-<p:notes xmlns:a="http://schemas.openxmlformats.org/drawingml/2006/main" xmlns:r="http://schemas.openxmlformats.org/officeDocument/2006/relationships" xmlns:p="http://schemas.openxmlformats.org/presentationml/2006/main">
+<p:notes xmlns:a="http://schemas.openxmlformats.org/drawingml/2006/main" xmlns:r="http://schemas.openxmlformats.org/officeDocument/2006/relationships" xmlns:mc="http://schemas.openxmlformats.org/markup-compatibility/2006" xmlns:mv="urn:schemas-microsoft-com:mac:vml" xmlns:p="http://schemas.openxmlformats.org/presentationml/2006/main" mc:Ignorable="mv" mc:PreserveAttributes="mv:*">
   <p:cSld>
     <p:spTree>
       <p:nvGrpSpPr>
@@ -1792,7 +1792,7 @@
 </file>
 
 <file path=ppt/notesSlides/notesSlide5.xml><?xml version="1.0" encoding="utf-8"?>
-<p:notes xmlns:a="http://schemas.openxmlformats.org/drawingml/2006/main" xmlns:r="http://schemas.openxmlformats.org/officeDocument/2006/relationships" xmlns:p="http://schemas.openxmlformats.org/presentationml/2006/main">
+<p:notes xmlns:a="http://schemas.openxmlformats.org/drawingml/2006/main" xmlns:r="http://schemas.openxmlformats.org/officeDocument/2006/relationships" xmlns:mc="http://schemas.openxmlformats.org/markup-compatibility/2006" xmlns:mv="urn:schemas-microsoft-com:mac:vml" xmlns:p="http://schemas.openxmlformats.org/presentationml/2006/main" mc:Ignorable="mv" mc:PreserveAttributes="mv:*">
   <p:cSld>
     <p:spTree>
       <p:nvGrpSpPr>
@@ -1874,7 +1874,7 @@
 </file>
 
 <file path=ppt/notesSlides/notesSlide6.xml><?xml version="1.0" encoding="utf-8"?>
-<p:notes xmlns:a="http://schemas.openxmlformats.org/drawingml/2006/main" xmlns:r="http://schemas.openxmlformats.org/officeDocument/2006/relationships" xmlns:p="http://schemas.openxmlformats.org/presentationml/2006/main">
+<p:notes xmlns:a="http://schemas.openxmlformats.org/drawingml/2006/main" xmlns:r="http://schemas.openxmlformats.org/officeDocument/2006/relationships" xmlns:mc="http://schemas.openxmlformats.org/markup-compatibility/2006" xmlns:mv="urn:schemas-microsoft-com:mac:vml" xmlns:p="http://schemas.openxmlformats.org/presentationml/2006/main" mc:Ignorable="mv" mc:PreserveAttributes="mv:*">
   <p:cSld>
     <p:spTree>
       <p:nvGrpSpPr>
@@ -1956,7 +1956,7 @@
 </file>
 
 <file path=ppt/notesSlides/notesSlide7.xml><?xml version="1.0" encoding="utf-8"?>
-<p:notes xmlns:a="http://schemas.openxmlformats.org/drawingml/2006/main" xmlns:r="http://schemas.openxmlformats.org/officeDocument/2006/relationships" xmlns:p="http://schemas.openxmlformats.org/presentationml/2006/main">
+<p:notes xmlns:a="http://schemas.openxmlformats.org/drawingml/2006/main" xmlns:r="http://schemas.openxmlformats.org/officeDocument/2006/relationships" xmlns:mc="http://schemas.openxmlformats.org/markup-compatibility/2006" xmlns:mv="urn:schemas-microsoft-com:mac:vml" xmlns:p="http://schemas.openxmlformats.org/presentationml/2006/main" mc:Ignorable="mv" mc:PreserveAttributes="mv:*">
   <p:cSld>
     <p:spTree>
       <p:nvGrpSpPr>
@@ -2038,7 +2038,7 @@
 </file>
 
 <file path=ppt/notesSlides/notesSlide8.xml><?xml version="1.0" encoding="utf-8"?>
-<p:notes xmlns:a="http://schemas.openxmlformats.org/drawingml/2006/main" xmlns:r="http://schemas.openxmlformats.org/officeDocument/2006/relationships" xmlns:p="http://schemas.openxmlformats.org/presentationml/2006/main">
+<p:notes xmlns:a="http://schemas.openxmlformats.org/drawingml/2006/main" xmlns:r="http://schemas.openxmlformats.org/officeDocument/2006/relationships" xmlns:mc="http://schemas.openxmlformats.org/markup-compatibility/2006" xmlns:mv="urn:schemas-microsoft-com:mac:vml" xmlns:p="http://schemas.openxmlformats.org/presentationml/2006/main" mc:Ignorable="mv" mc:PreserveAttributes="mv:*">
   <p:cSld>
     <p:spTree>
       <p:nvGrpSpPr>
@@ -2120,7 +2120,7 @@
 </file>
 
 <file path=ppt/notesSlides/notesSlide9.xml><?xml version="1.0" encoding="utf-8"?>
-<p:notes xmlns:a="http://schemas.openxmlformats.org/drawingml/2006/main" xmlns:r="http://schemas.openxmlformats.org/officeDocument/2006/relationships" xmlns:p="http://schemas.openxmlformats.org/presentationml/2006/main">
+<p:notes xmlns:a="http://schemas.openxmlformats.org/drawingml/2006/main" xmlns:r="http://schemas.openxmlformats.org/officeDocument/2006/relationships" xmlns:mc="http://schemas.openxmlformats.org/markup-compatibility/2006" xmlns:mv="urn:schemas-microsoft-com:mac:vml" xmlns:p="http://schemas.openxmlformats.org/presentationml/2006/main" mc:Ignorable="mv" mc:PreserveAttributes="mv:*">
   <p:cSld>
     <p:spTree>
       <p:nvGrpSpPr>
@@ -2202,7 +2202,7 @@
 </file>
 
 <file path=ppt/slideLayouts/slideLayout1.xml><?xml version="1.0" encoding="utf-8"?>
-<p:sldLayout xmlns:a="http://schemas.openxmlformats.org/drawingml/2006/main" xmlns:r="http://schemas.openxmlformats.org/officeDocument/2006/relationships" xmlns:p="http://schemas.openxmlformats.org/presentationml/2006/main" type="title" preserve="1">
+<p:sldLayout xmlns:a="http://schemas.openxmlformats.org/drawingml/2006/main" xmlns:r="http://schemas.openxmlformats.org/officeDocument/2006/relationships" xmlns:mc="http://schemas.openxmlformats.org/markup-compatibility/2006" xmlns:mv="urn:schemas-microsoft-com:mac:vml" xmlns:p="http://schemas.openxmlformats.org/presentationml/2006/main" mc:Ignorable="mv" mc:PreserveAttributes="mv:*" type="title" preserve="1">
   <p:cSld name="Title Slide">
     <p:bg>
       <p:bgRef idx="1002">
@@ -2375,7 +2375,7 @@
             <a:fld id="{60D031E8-CA3C-4208-A7FA-7F59521C15CB}" type="datetimeFigureOut">
               <a:rPr lang="en-US" smtClean="0"/>
               <a:pPr/>
-              <a:t>4/10/2010</a:t>
+              <a:t>4/12/10</a:t>
             </a:fld>
             <a:endParaRPr lang="en-US"/>
           </a:p>
@@ -2433,7 +2433,7 @@
 </file>
 
 <file path=ppt/slideLayouts/slideLayout10.xml><?xml version="1.0" encoding="utf-8"?>
-<p:sldLayout xmlns:a="http://schemas.openxmlformats.org/drawingml/2006/main" xmlns:r="http://schemas.openxmlformats.org/officeDocument/2006/relationships" xmlns:p="http://schemas.openxmlformats.org/presentationml/2006/main" type="vertTx" preserve="1">
+<p:sldLayout xmlns:a="http://schemas.openxmlformats.org/drawingml/2006/main" xmlns:r="http://schemas.openxmlformats.org/officeDocument/2006/relationships" xmlns:mc="http://schemas.openxmlformats.org/markup-compatibility/2006" xmlns:mv="urn:schemas-microsoft-com:mac:vml" xmlns:p="http://schemas.openxmlformats.org/presentationml/2006/main" mc:Ignorable="mv" mc:PreserveAttributes="mv:*" type="vertTx" preserve="1">
   <p:cSld name="Title and Vertical Text">
     <p:spTree>
       <p:nvGrpSpPr>
@@ -2542,7 +2542,7 @@
             <a:fld id="{60D031E8-CA3C-4208-A7FA-7F59521C15CB}" type="datetimeFigureOut">
               <a:rPr lang="en-US" smtClean="0"/>
               <a:pPr/>
-              <a:t>4/10/2010</a:t>
+              <a:t>4/12/10</a:t>
             </a:fld>
             <a:endParaRPr lang="en-US"/>
           </a:p>
@@ -2600,7 +2600,7 @@
 </file>
 
 <file path=ppt/slideLayouts/slideLayout11.xml><?xml version="1.0" encoding="utf-8"?>
-<p:sldLayout xmlns:a="http://schemas.openxmlformats.org/drawingml/2006/main" xmlns:r="http://schemas.openxmlformats.org/officeDocument/2006/relationships" xmlns:p="http://schemas.openxmlformats.org/presentationml/2006/main" type="vertTitleAndTx" preserve="1">
+<p:sldLayout xmlns:a="http://schemas.openxmlformats.org/drawingml/2006/main" xmlns:r="http://schemas.openxmlformats.org/officeDocument/2006/relationships" xmlns:mc="http://schemas.openxmlformats.org/markup-compatibility/2006" xmlns:mv="urn:schemas-microsoft-com:mac:vml" xmlns:p="http://schemas.openxmlformats.org/presentationml/2006/main" mc:Ignorable="mv" mc:PreserveAttributes="mv:*" type="vertTitleAndTx" preserve="1">
   <p:cSld name="Vertical Title and Text">
     <p:spTree>
       <p:nvGrpSpPr>
@@ -2719,7 +2719,7 @@
             <a:fld id="{60D031E8-CA3C-4208-A7FA-7F59521C15CB}" type="datetimeFigureOut">
               <a:rPr lang="en-US" smtClean="0"/>
               <a:pPr/>
-              <a:t>4/10/2010</a:t>
+              <a:t>4/12/10</a:t>
             </a:fld>
             <a:endParaRPr lang="en-US"/>
           </a:p>
@@ -2777,7 +2777,7 @@
 </file>
 
 <file path=ppt/slideLayouts/slideLayout2.xml><?xml version="1.0" encoding="utf-8"?>
-<p:sldLayout xmlns:a="http://schemas.openxmlformats.org/drawingml/2006/main" xmlns:r="http://schemas.openxmlformats.org/officeDocument/2006/relationships" xmlns:p="http://schemas.openxmlformats.org/presentationml/2006/main" type="obj" preserve="1">
+<p:sldLayout xmlns:a="http://schemas.openxmlformats.org/drawingml/2006/main" xmlns:r="http://schemas.openxmlformats.org/officeDocument/2006/relationships" xmlns:mc="http://schemas.openxmlformats.org/markup-compatibility/2006" xmlns:mv="urn:schemas-microsoft-com:mac:vml" xmlns:p="http://schemas.openxmlformats.org/presentationml/2006/main" mc:Ignorable="mv" mc:PreserveAttributes="mv:*" type="obj" preserve="1">
   <p:cSld name="Title and Content">
     <p:spTree>
       <p:nvGrpSpPr>
@@ -2886,7 +2886,7 @@
             <a:fld id="{60D031E8-CA3C-4208-A7FA-7F59521C15CB}" type="datetimeFigureOut">
               <a:rPr lang="en-US" smtClean="0"/>
               <a:pPr/>
-              <a:t>4/10/2010</a:t>
+              <a:t>4/12/10</a:t>
             </a:fld>
             <a:endParaRPr lang="en-US"/>
           </a:p>
@@ -2944,7 +2944,7 @@
 </file>
 
 <file path=ppt/slideLayouts/slideLayout3.xml><?xml version="1.0" encoding="utf-8"?>
-<p:sldLayout xmlns:a="http://schemas.openxmlformats.org/drawingml/2006/main" xmlns:r="http://schemas.openxmlformats.org/officeDocument/2006/relationships" xmlns:p="http://schemas.openxmlformats.org/presentationml/2006/main" type="secHead" preserve="1">
+<p:sldLayout xmlns:a="http://schemas.openxmlformats.org/drawingml/2006/main" xmlns:r="http://schemas.openxmlformats.org/officeDocument/2006/relationships" xmlns:mc="http://schemas.openxmlformats.org/markup-compatibility/2006" xmlns:mv="urn:schemas-microsoft-com:mac:vml" xmlns:p="http://schemas.openxmlformats.org/presentationml/2006/main" mc:Ignorable="mv" mc:PreserveAttributes="mv:*" type="secHead" preserve="1">
   <p:cSld name="Section Header">
     <p:bg>
       <p:bgRef idx="1002">
@@ -3130,7 +3130,7 @@
             <a:fld id="{60D031E8-CA3C-4208-A7FA-7F59521C15CB}" type="datetimeFigureOut">
               <a:rPr lang="en-US" smtClean="0"/>
               <a:pPr/>
-              <a:t>4/10/2010</a:t>
+              <a:t>4/12/10</a:t>
             </a:fld>
             <a:endParaRPr lang="en-US"/>
           </a:p>
@@ -3188,7 +3188,7 @@
 </file>
 
 <file path=ppt/slideLayouts/slideLayout4.xml><?xml version="1.0" encoding="utf-8"?>
-<p:sldLayout xmlns:a="http://schemas.openxmlformats.org/drawingml/2006/main" xmlns:r="http://schemas.openxmlformats.org/officeDocument/2006/relationships" xmlns:p="http://schemas.openxmlformats.org/presentationml/2006/main" type="twoObj" preserve="1">
+<p:sldLayout xmlns:a="http://schemas.openxmlformats.org/drawingml/2006/main" xmlns:r="http://schemas.openxmlformats.org/officeDocument/2006/relationships" xmlns:mc="http://schemas.openxmlformats.org/markup-compatibility/2006" xmlns:mv="urn:schemas-microsoft-com:mac:vml" xmlns:p="http://schemas.openxmlformats.org/presentationml/2006/main" mc:Ignorable="mv" mc:PreserveAttributes="mv:*" type="twoObj" preserve="1">
   <p:cSld name="Two Content">
     <p:spTree>
       <p:nvGrpSpPr>
@@ -3396,7 +3396,7 @@
             <a:fld id="{60D031E8-CA3C-4208-A7FA-7F59521C15CB}" type="datetimeFigureOut">
               <a:rPr lang="en-US" smtClean="0"/>
               <a:pPr/>
-              <a:t>4/10/2010</a:t>
+              <a:t>4/12/10</a:t>
             </a:fld>
             <a:endParaRPr lang="en-US"/>
           </a:p>
@@ -3454,7 +3454,7 @@
 </file>
 
 <file path=ppt/slideLayouts/slideLayout5.xml><?xml version="1.0" encoding="utf-8"?>
-<p:sldLayout xmlns:a="http://schemas.openxmlformats.org/drawingml/2006/main" xmlns:r="http://schemas.openxmlformats.org/officeDocument/2006/relationships" xmlns:p="http://schemas.openxmlformats.org/presentationml/2006/main" type="twoTxTwoObj" preserve="1">
+<p:sldLayout xmlns:a="http://schemas.openxmlformats.org/drawingml/2006/main" xmlns:r="http://schemas.openxmlformats.org/officeDocument/2006/relationships" xmlns:mc="http://schemas.openxmlformats.org/markup-compatibility/2006" xmlns:mv="urn:schemas-microsoft-com:mac:vml" xmlns:p="http://schemas.openxmlformats.org/presentationml/2006/main" mc:Ignorable="mv" mc:PreserveAttributes="mv:*" type="twoTxTwoObj" preserve="1">
   <p:cSld name="Comparison">
     <p:spTree>
       <p:nvGrpSpPr>
@@ -3776,7 +3776,7 @@
             <a:fld id="{60D031E8-CA3C-4208-A7FA-7F59521C15CB}" type="datetimeFigureOut">
               <a:rPr lang="en-US" smtClean="0"/>
               <a:pPr/>
-              <a:t>4/10/2010</a:t>
+              <a:t>4/12/10</a:t>
             </a:fld>
             <a:endParaRPr lang="en-US"/>
           </a:p>
@@ -3834,7 +3834,7 @@
 </file>
 
 <file path=ppt/slideLayouts/slideLayout6.xml><?xml version="1.0" encoding="utf-8"?>
-<p:sldLayout xmlns:a="http://schemas.openxmlformats.org/drawingml/2006/main" xmlns:r="http://schemas.openxmlformats.org/officeDocument/2006/relationships" xmlns:p="http://schemas.openxmlformats.org/presentationml/2006/main" type="titleOnly" preserve="1">
+<p:sldLayout xmlns:a="http://schemas.openxmlformats.org/drawingml/2006/main" xmlns:r="http://schemas.openxmlformats.org/officeDocument/2006/relationships" xmlns:mc="http://schemas.openxmlformats.org/markup-compatibility/2006" xmlns:mv="urn:schemas-microsoft-com:mac:vml" xmlns:p="http://schemas.openxmlformats.org/presentationml/2006/main" mc:Ignorable="mv" mc:PreserveAttributes="mv:*" type="titleOnly" preserve="1">
   <p:cSld name="Title Only">
     <p:spTree>
       <p:nvGrpSpPr>
@@ -3928,7 +3928,7 @@
             <a:fld id="{60D031E8-CA3C-4208-A7FA-7F59521C15CB}" type="datetimeFigureOut">
               <a:rPr lang="en-US" smtClean="0"/>
               <a:pPr/>
-              <a:t>4/10/2010</a:t>
+              <a:t>4/12/10</a:t>
             </a:fld>
             <a:endParaRPr lang="en-US"/>
           </a:p>
@@ -3986,7 +3986,7 @@
 </file>
 
 <file path=ppt/slideLayouts/slideLayout7.xml><?xml version="1.0" encoding="utf-8"?>
-<p:sldLayout xmlns:a="http://schemas.openxmlformats.org/drawingml/2006/main" xmlns:r="http://schemas.openxmlformats.org/officeDocument/2006/relationships" xmlns:p="http://schemas.openxmlformats.org/presentationml/2006/main" type="blank" preserve="1">
+<p:sldLayout xmlns:a="http://schemas.openxmlformats.org/drawingml/2006/main" xmlns:r="http://schemas.openxmlformats.org/officeDocument/2006/relationships" xmlns:mc="http://schemas.openxmlformats.org/markup-compatibility/2006" xmlns:mv="urn:schemas-microsoft-com:mac:vml" xmlns:p="http://schemas.openxmlformats.org/presentationml/2006/main" mc:Ignorable="mv" mc:PreserveAttributes="mv:*" type="blank" preserve="1">
   <p:cSld name="Blank">
     <p:spTree>
       <p:nvGrpSpPr>
@@ -4020,7 +4020,7 @@
             <a:fld id="{60D031E8-CA3C-4208-A7FA-7F59521C15CB}" type="datetimeFigureOut">
               <a:rPr lang="en-US" smtClean="0"/>
               <a:pPr/>
-              <a:t>4/10/2010</a:t>
+              <a:t>4/12/10</a:t>
             </a:fld>
             <a:endParaRPr lang="en-US"/>
           </a:p>
@@ -4078,7 +4078,7 @@
 </file>
 
 <file path=ppt/slideLayouts/slideLayout8.xml><?xml version="1.0" encoding="utf-8"?>
-<p:sldLayout xmlns:a="http://schemas.openxmlformats.org/drawingml/2006/main" xmlns:r="http://schemas.openxmlformats.org/officeDocument/2006/relationships" xmlns:p="http://schemas.openxmlformats.org/presentationml/2006/main" type="objTx" preserve="1">
+<p:sldLayout xmlns:a="http://schemas.openxmlformats.org/drawingml/2006/main" xmlns:r="http://schemas.openxmlformats.org/officeDocument/2006/relationships" xmlns:mc="http://schemas.openxmlformats.org/markup-compatibility/2006" xmlns:mv="urn:schemas-microsoft-com:mac:vml" xmlns:p="http://schemas.openxmlformats.org/presentationml/2006/main" mc:Ignorable="mv" mc:PreserveAttributes="mv:*" type="objTx" preserve="1">
   <p:cSld name="Content with Caption">
     <p:spTree>
       <p:nvGrpSpPr>
@@ -4283,7 +4283,7 @@
             <a:fld id="{60D031E8-CA3C-4208-A7FA-7F59521C15CB}" type="datetimeFigureOut">
               <a:rPr lang="en-US" smtClean="0"/>
               <a:pPr/>
-              <a:t>4/10/2010</a:t>
+              <a:t>4/12/10</a:t>
             </a:fld>
             <a:endParaRPr lang="en-US"/>
           </a:p>
@@ -4341,7 +4341,7 @@
 </file>
 
 <file path=ppt/slideLayouts/slideLayout9.xml><?xml version="1.0" encoding="utf-8"?>
-<p:sldLayout xmlns:a="http://schemas.openxmlformats.org/drawingml/2006/main" xmlns:r="http://schemas.openxmlformats.org/officeDocument/2006/relationships" xmlns:p="http://schemas.openxmlformats.org/presentationml/2006/main" showMasterSp="0" type="picTx" preserve="1">
+<p:sldLayout xmlns:a="http://schemas.openxmlformats.org/drawingml/2006/main" xmlns:r="http://schemas.openxmlformats.org/officeDocument/2006/relationships" xmlns:mc="http://schemas.openxmlformats.org/markup-compatibility/2006" xmlns:mv="urn:schemas-microsoft-com:mac:vml" xmlns:p="http://schemas.openxmlformats.org/presentationml/2006/main" mc:Ignorable="mv" mc:PreserveAttributes="mv:*" showMasterSp="0" type="picTx" preserve="1">
   <p:cSld name="Picture with Caption">
     <p:spTree>
       <p:nvGrpSpPr>
@@ -4573,7 +4573,7 @@
             <a:fld id="{60D031E8-CA3C-4208-A7FA-7F59521C15CB}" type="datetimeFigureOut">
               <a:rPr lang="en-US" smtClean="0"/>
               <a:pPr/>
-              <a:t>4/10/2010</a:t>
+              <a:t>4/12/10</a:t>
             </a:fld>
             <a:endParaRPr lang="en-US"/>
           </a:p>
@@ -4938,7 +4938,7 @@
 </file>
 
 <file path=ppt/slideMasters/slideMaster1.xml><?xml version="1.0" encoding="utf-8"?>
-<p:sldMaster xmlns:a="http://schemas.openxmlformats.org/drawingml/2006/main" xmlns:r="http://schemas.openxmlformats.org/officeDocument/2006/relationships" xmlns:p="http://schemas.openxmlformats.org/presentationml/2006/main">
+<p:sldMaster xmlns:a="http://schemas.openxmlformats.org/drawingml/2006/main" xmlns:r="http://schemas.openxmlformats.org/officeDocument/2006/relationships" xmlns:mc="http://schemas.openxmlformats.org/markup-compatibility/2006" xmlns:mv="urn:schemas-microsoft-com:mac:vml" xmlns:p="http://schemas.openxmlformats.org/presentationml/2006/main" mc:Ignorable="mv" mc:PreserveAttributes="mv:*">
   <p:cSld>
     <p:bg>
       <p:bgRef idx="1003">
@@ -5346,7 +5346,7 @@
             <a:fld id="{60D031E8-CA3C-4208-A7FA-7F59521C15CB}" type="datetimeFigureOut">
               <a:rPr lang="en-US" smtClean="0"/>
               <a:pPr/>
-              <a:t>4/10/2010</a:t>
+              <a:t>4/12/10</a:t>
             </a:fld>
             <a:endParaRPr lang="en-US"/>
           </a:p>
@@ -5949,7 +5949,7 @@
 </file>
 
 <file path=ppt/slides/slide1.xml><?xml version="1.0" encoding="utf-8"?>
-<p:sld xmlns:a="http://schemas.openxmlformats.org/drawingml/2006/main" xmlns:r="http://schemas.openxmlformats.org/officeDocument/2006/relationships" xmlns:p="http://schemas.openxmlformats.org/presentationml/2006/main">
+<p:sld xmlns:a="http://schemas.openxmlformats.org/drawingml/2006/main" xmlns:r="http://schemas.openxmlformats.org/officeDocument/2006/relationships" xmlns:mc="http://schemas.openxmlformats.org/markup-compatibility/2006" xmlns:mv="urn:schemas-microsoft-com:mac:vml" xmlns:p="http://schemas.openxmlformats.org/presentationml/2006/main" mc:Ignorable="mv" mc:PreserveAttributes="mv:*">
   <p:cSld>
     <p:spTree>
       <p:nvGrpSpPr>
@@ -6029,7 +6029,7 @@
 </file>
 
 <file path=ppt/slides/slide10.xml><?xml version="1.0" encoding="utf-8"?>
-<p:sld xmlns:a="http://schemas.openxmlformats.org/drawingml/2006/main" xmlns:r="http://schemas.openxmlformats.org/officeDocument/2006/relationships" xmlns:p="http://schemas.openxmlformats.org/presentationml/2006/main">
+<p:sld xmlns:a="http://schemas.openxmlformats.org/drawingml/2006/main" xmlns:r="http://schemas.openxmlformats.org/officeDocument/2006/relationships" xmlns:mc="http://schemas.openxmlformats.org/markup-compatibility/2006" xmlns:mv="urn:schemas-microsoft-com:mac:vml" xmlns:p="http://schemas.openxmlformats.org/presentationml/2006/main" mc:Ignorable="mv" mc:PreserveAttributes="mv:*">
   <p:cSld>
     <p:spTree>
       <p:nvGrpSpPr>
@@ -6168,7 +6168,7 @@
 </file>
 
 <file path=ppt/slides/slide11.xml><?xml version="1.0" encoding="utf-8"?>
-<p:sld xmlns:a="http://schemas.openxmlformats.org/drawingml/2006/main" xmlns:r="http://schemas.openxmlformats.org/officeDocument/2006/relationships" xmlns:p="http://schemas.openxmlformats.org/presentationml/2006/main">
+<p:sld xmlns:a="http://schemas.openxmlformats.org/drawingml/2006/main" xmlns:r="http://schemas.openxmlformats.org/officeDocument/2006/relationships" xmlns:mc="http://schemas.openxmlformats.org/markup-compatibility/2006" xmlns:mv="urn:schemas-microsoft-com:mac:vml" xmlns:p="http://schemas.openxmlformats.org/presentationml/2006/main" mc:Ignorable="mv" mc:PreserveAttributes="mv:*">
   <p:cSld>
     <p:spTree>
       <p:nvGrpSpPr>
@@ -6296,7 +6296,7 @@
 </file>
 
 <file path=ppt/slides/slide12.xml><?xml version="1.0" encoding="utf-8"?>
-<p:sld xmlns:a="http://schemas.openxmlformats.org/drawingml/2006/main" xmlns:r="http://schemas.openxmlformats.org/officeDocument/2006/relationships" xmlns:p="http://schemas.openxmlformats.org/presentationml/2006/main">
+<p:sld xmlns:a="http://schemas.openxmlformats.org/drawingml/2006/main" xmlns:r="http://schemas.openxmlformats.org/officeDocument/2006/relationships" xmlns:mc="http://schemas.openxmlformats.org/markup-compatibility/2006" xmlns:mv="urn:schemas-microsoft-com:mac:vml" xmlns:p="http://schemas.openxmlformats.org/presentationml/2006/main" mc:Ignorable="mv" mc:PreserveAttributes="mv:*">
   <p:cSld>
     <p:spTree>
       <p:nvGrpSpPr>
@@ -6418,7 +6418,7 @@
 </file>
 
 <file path=ppt/slides/slide13.xml><?xml version="1.0" encoding="utf-8"?>
-<p:sld xmlns:a="http://schemas.openxmlformats.org/drawingml/2006/main" xmlns:r="http://schemas.openxmlformats.org/officeDocument/2006/relationships" xmlns:p="http://schemas.openxmlformats.org/presentationml/2006/main">
+<p:sld xmlns:a="http://schemas.openxmlformats.org/drawingml/2006/main" xmlns:r="http://schemas.openxmlformats.org/officeDocument/2006/relationships" xmlns:mc="http://schemas.openxmlformats.org/markup-compatibility/2006" xmlns:mv="urn:schemas-microsoft-com:mac:vml" xmlns:p="http://schemas.openxmlformats.org/presentationml/2006/main" mc:Ignorable="mv" mc:PreserveAttributes="mv:*">
   <p:cSld>
     <p:spTree>
       <p:nvGrpSpPr>
@@ -6570,7 +6570,7 @@
 </file>
 
 <file path=ppt/slides/slide14.xml><?xml version="1.0" encoding="utf-8"?>
-<p:sld xmlns:a="http://schemas.openxmlformats.org/drawingml/2006/main" xmlns:r="http://schemas.openxmlformats.org/officeDocument/2006/relationships" xmlns:p="http://schemas.openxmlformats.org/presentationml/2006/main">
+<p:sld xmlns:a="http://schemas.openxmlformats.org/drawingml/2006/main" xmlns:r="http://schemas.openxmlformats.org/officeDocument/2006/relationships" xmlns:mc="http://schemas.openxmlformats.org/markup-compatibility/2006" xmlns:mv="urn:schemas-microsoft-com:mac:vml" xmlns:p="http://schemas.openxmlformats.org/presentationml/2006/main" mc:Ignorable="mv" mc:PreserveAttributes="mv:*">
   <p:cSld>
     <p:spTree>
       <p:nvGrpSpPr>
@@ -6755,7 +6755,7 @@
 </file>
 
 <file path=ppt/slides/slide15.xml><?xml version="1.0" encoding="utf-8"?>
-<p:sld xmlns:a="http://schemas.openxmlformats.org/drawingml/2006/main" xmlns:r="http://schemas.openxmlformats.org/officeDocument/2006/relationships" xmlns:p="http://schemas.openxmlformats.org/presentationml/2006/main">
+<p:sld xmlns:a="http://schemas.openxmlformats.org/drawingml/2006/main" xmlns:r="http://schemas.openxmlformats.org/officeDocument/2006/relationships" xmlns:mc="http://schemas.openxmlformats.org/markup-compatibility/2006" xmlns:mv="urn:schemas-microsoft-com:mac:vml" xmlns:p="http://schemas.openxmlformats.org/presentationml/2006/main" mc:Ignorable="mv" mc:PreserveAttributes="mv:*">
   <p:cSld>
     <p:spTree>
       <p:nvGrpSpPr>
@@ -6877,7 +6877,7 @@
 </file>
 
 <file path=ppt/slides/slide16.xml><?xml version="1.0" encoding="utf-8"?>
-<p:sld xmlns:a="http://schemas.openxmlformats.org/drawingml/2006/main" xmlns:r="http://schemas.openxmlformats.org/officeDocument/2006/relationships" xmlns:p="http://schemas.openxmlformats.org/presentationml/2006/main">
+<p:sld xmlns:a="http://schemas.openxmlformats.org/drawingml/2006/main" xmlns:r="http://schemas.openxmlformats.org/officeDocument/2006/relationships" xmlns:mc="http://schemas.openxmlformats.org/markup-compatibility/2006" xmlns:mv="urn:schemas-microsoft-com:mac:vml" xmlns:p="http://schemas.openxmlformats.org/presentationml/2006/main" mc:Ignorable="mv" mc:PreserveAttributes="mv:*">
   <p:cSld>
     <p:spTree>
       <p:nvGrpSpPr>
@@ -6999,7 +6999,7 @@
 </file>
 
 <file path=ppt/slides/slide17.xml><?xml version="1.0" encoding="utf-8"?>
-<p:sld xmlns:a="http://schemas.openxmlformats.org/drawingml/2006/main" xmlns:r="http://schemas.openxmlformats.org/officeDocument/2006/relationships" xmlns:p="http://schemas.openxmlformats.org/presentationml/2006/main">
+<p:sld xmlns:a="http://schemas.openxmlformats.org/drawingml/2006/main" xmlns:r="http://schemas.openxmlformats.org/officeDocument/2006/relationships" xmlns:mc="http://schemas.openxmlformats.org/markup-compatibility/2006" xmlns:mv="urn:schemas-microsoft-com:mac:vml" xmlns:p="http://schemas.openxmlformats.org/presentationml/2006/main" mc:Ignorable="mv" mc:PreserveAttributes="mv:*">
   <p:cSld>
     <p:spTree>
       <p:nvGrpSpPr>
@@ -7120,7 +7120,7 @@
 </file>
 
 <file path=ppt/slides/slide18.xml><?xml version="1.0" encoding="utf-8"?>
-<p:sld xmlns:a="http://schemas.openxmlformats.org/drawingml/2006/main" xmlns:r="http://schemas.openxmlformats.org/officeDocument/2006/relationships" xmlns:p="http://schemas.openxmlformats.org/presentationml/2006/main">
+<p:sld xmlns:a="http://schemas.openxmlformats.org/drawingml/2006/main" xmlns:r="http://schemas.openxmlformats.org/officeDocument/2006/relationships" xmlns:mc="http://schemas.openxmlformats.org/markup-compatibility/2006" xmlns:mv="urn:schemas-microsoft-com:mac:vml" xmlns:p="http://schemas.openxmlformats.org/presentationml/2006/main" mc:Ignorable="mv" mc:PreserveAttributes="mv:*">
   <p:cSld>
     <p:spTree>
       <p:nvGrpSpPr>
@@ -7252,7 +7252,7 @@
 </file>
 
 <file path=ppt/slides/slide19.xml><?xml version="1.0" encoding="utf-8"?>
-<p:sld xmlns:a="http://schemas.openxmlformats.org/drawingml/2006/main" xmlns:r="http://schemas.openxmlformats.org/officeDocument/2006/relationships" xmlns:p="http://schemas.openxmlformats.org/presentationml/2006/main">
+<p:sld xmlns:a="http://schemas.openxmlformats.org/drawingml/2006/main" xmlns:r="http://schemas.openxmlformats.org/officeDocument/2006/relationships" xmlns:mc="http://schemas.openxmlformats.org/markup-compatibility/2006" xmlns:mv="urn:schemas-microsoft-com:mac:vml" xmlns:p="http://schemas.openxmlformats.org/presentationml/2006/main" mc:Ignorable="mv" mc:PreserveAttributes="mv:*">
   <p:cSld>
     <p:spTree>
       <p:nvGrpSpPr>
@@ -7358,7 +7358,7 @@
 </file>
 
 <file path=ppt/slides/slide2.xml><?xml version="1.0" encoding="utf-8"?>
-<p:sld xmlns:a="http://schemas.openxmlformats.org/drawingml/2006/main" xmlns:r="http://schemas.openxmlformats.org/officeDocument/2006/relationships" xmlns:p="http://schemas.openxmlformats.org/presentationml/2006/main">
+<p:sld xmlns:a="http://schemas.openxmlformats.org/drawingml/2006/main" xmlns:r="http://schemas.openxmlformats.org/officeDocument/2006/relationships" xmlns:mc="http://schemas.openxmlformats.org/markup-compatibility/2006" xmlns:mv="urn:schemas-microsoft-com:mac:vml" xmlns:p="http://schemas.openxmlformats.org/presentationml/2006/main" mc:Ignorable="mv" mc:PreserveAttributes="mv:*">
   <p:cSld>
     <p:spTree>
       <p:nvGrpSpPr>
@@ -7486,7 +7486,7 @@
 </file>
 
 <file path=ppt/slides/slide20.xml><?xml version="1.0" encoding="utf-8"?>
-<p:sld xmlns:a="http://schemas.openxmlformats.org/drawingml/2006/main" xmlns:r="http://schemas.openxmlformats.org/officeDocument/2006/relationships" xmlns:p="http://schemas.openxmlformats.org/presentationml/2006/main">
+<p:sld xmlns:a="http://schemas.openxmlformats.org/drawingml/2006/main" xmlns:r="http://schemas.openxmlformats.org/officeDocument/2006/relationships" xmlns:mc="http://schemas.openxmlformats.org/markup-compatibility/2006" xmlns:mv="urn:schemas-microsoft-com:mac:vml" xmlns:p="http://schemas.openxmlformats.org/presentationml/2006/main" mc:Ignorable="mv" mc:PreserveAttributes="mv:*">
   <p:cSld>
     <p:spTree>
       <p:nvGrpSpPr>
@@ -7625,7 +7625,7 @@
 </file>
 
 <file path=ppt/slides/slide21.xml><?xml version="1.0" encoding="utf-8"?>
-<p:sld xmlns:a="http://schemas.openxmlformats.org/drawingml/2006/main" xmlns:r="http://schemas.openxmlformats.org/officeDocument/2006/relationships" xmlns:p="http://schemas.openxmlformats.org/presentationml/2006/main">
+<p:sld xmlns:a="http://schemas.openxmlformats.org/drawingml/2006/main" xmlns:r="http://schemas.openxmlformats.org/officeDocument/2006/relationships" xmlns:mc="http://schemas.openxmlformats.org/markup-compatibility/2006" xmlns:mv="urn:schemas-microsoft-com:mac:vml" xmlns:p="http://schemas.openxmlformats.org/presentationml/2006/main" mc:Ignorable="mv" mc:PreserveAttributes="mv:*">
   <p:cSld>
     <p:spTree>
       <p:nvGrpSpPr>
@@ -7692,7 +7692,7 @@
 </file>
 
 <file path=ppt/slides/slide3.xml><?xml version="1.0" encoding="utf-8"?>
-<p:sld xmlns:a="http://schemas.openxmlformats.org/drawingml/2006/main" xmlns:r="http://schemas.openxmlformats.org/officeDocument/2006/relationships" xmlns:p="http://schemas.openxmlformats.org/presentationml/2006/main">
+<p:sld xmlns:a="http://schemas.openxmlformats.org/drawingml/2006/main" xmlns:r="http://schemas.openxmlformats.org/officeDocument/2006/relationships" xmlns:mc="http://schemas.openxmlformats.org/markup-compatibility/2006" xmlns:mv="urn:schemas-microsoft-com:mac:vml" xmlns:p="http://schemas.openxmlformats.org/presentationml/2006/main" mc:Ignorable="mv" mc:PreserveAttributes="mv:*">
   <p:cSld>
     <p:spTree>
       <p:nvGrpSpPr>
@@ -7744,7 +7744,7 @@
         <p:spPr/>
         <p:txBody>
           <a:bodyPr>
-            <a:normAutofit fontScale="92500"/>
+            <a:normAutofit fontScale="92500" lnSpcReduction="10000"/>
           </a:bodyPr>
           <a:lstStyle/>
           <a:p>
@@ -7792,7 +7792,7 @@
 </file>
 
 <file path=ppt/slides/slide4.xml><?xml version="1.0" encoding="utf-8"?>
-<p:sld xmlns:a="http://schemas.openxmlformats.org/drawingml/2006/main" xmlns:r="http://schemas.openxmlformats.org/officeDocument/2006/relationships" xmlns:p="http://schemas.openxmlformats.org/presentationml/2006/main">
+<p:sld xmlns:a="http://schemas.openxmlformats.org/drawingml/2006/main" xmlns:r="http://schemas.openxmlformats.org/officeDocument/2006/relationships" xmlns:mc="http://schemas.openxmlformats.org/markup-compatibility/2006" xmlns:mv="urn:schemas-microsoft-com:mac:vml" xmlns:p="http://schemas.openxmlformats.org/presentationml/2006/main" mc:Ignorable="mv" mc:PreserveAttributes="mv:*">
   <p:cSld>
     <p:spTree>
       <p:nvGrpSpPr>
@@ -7920,7 +7920,7 @@
 </file>
 
 <file path=ppt/slides/slide5.xml><?xml version="1.0" encoding="utf-8"?>
-<p:sld xmlns:a="http://schemas.openxmlformats.org/drawingml/2006/main" xmlns:r="http://schemas.openxmlformats.org/officeDocument/2006/relationships" xmlns:p="http://schemas.openxmlformats.org/presentationml/2006/main">
+<p:sld xmlns:a="http://schemas.openxmlformats.org/drawingml/2006/main" xmlns:r="http://schemas.openxmlformats.org/officeDocument/2006/relationships" xmlns:mc="http://schemas.openxmlformats.org/markup-compatibility/2006" xmlns:mv="urn:schemas-microsoft-com:mac:vml" xmlns:p="http://schemas.openxmlformats.org/presentationml/2006/main" mc:Ignorable="mv" mc:PreserveAttributes="mv:*">
   <p:cSld>
     <p:spTree>
       <p:nvGrpSpPr>
@@ -8036,7 +8036,7 @@
 </file>
 
 <file path=ppt/slides/slide6.xml><?xml version="1.0" encoding="utf-8"?>
-<p:sld xmlns:a="http://schemas.openxmlformats.org/drawingml/2006/main" xmlns:r="http://schemas.openxmlformats.org/officeDocument/2006/relationships" xmlns:p="http://schemas.openxmlformats.org/presentationml/2006/main" show="0">
+<p:sld xmlns:a="http://schemas.openxmlformats.org/drawingml/2006/main" xmlns:r="http://schemas.openxmlformats.org/officeDocument/2006/relationships" xmlns:mc="http://schemas.openxmlformats.org/markup-compatibility/2006" xmlns:mv="urn:schemas-microsoft-com:mac:vml" xmlns:p="http://schemas.openxmlformats.org/presentationml/2006/main" mc:Ignorable="mv" mc:PreserveAttributes="mv:*" show="0">
   <p:cSld>
     <p:spTree>
       <p:nvGrpSpPr>
@@ -8356,7 +8356,7 @@
 </file>
 
 <file path=ppt/slides/slide7.xml><?xml version="1.0" encoding="utf-8"?>
-<p:sld xmlns:a="http://schemas.openxmlformats.org/drawingml/2006/main" xmlns:r="http://schemas.openxmlformats.org/officeDocument/2006/relationships" xmlns:p="http://schemas.openxmlformats.org/presentationml/2006/main">
+<p:sld xmlns:a="http://schemas.openxmlformats.org/drawingml/2006/main" xmlns:r="http://schemas.openxmlformats.org/officeDocument/2006/relationships" xmlns:mc="http://schemas.openxmlformats.org/markup-compatibility/2006" xmlns:mv="urn:schemas-microsoft-com:mac:vml" xmlns:p="http://schemas.openxmlformats.org/presentationml/2006/main" mc:Ignorable="mv" mc:PreserveAttributes="mv:*">
   <p:cSld>
     <p:spTree>
       <p:nvGrpSpPr>
@@ -8777,7 +8777,7 @@
 </file>
 
 <file path=ppt/slides/slide8.xml><?xml version="1.0" encoding="utf-8"?>
-<p:sld xmlns:a="http://schemas.openxmlformats.org/drawingml/2006/main" xmlns:r="http://schemas.openxmlformats.org/officeDocument/2006/relationships" xmlns:p="http://schemas.openxmlformats.org/presentationml/2006/main">
+<p:sld xmlns:a="http://schemas.openxmlformats.org/drawingml/2006/main" xmlns:r="http://schemas.openxmlformats.org/officeDocument/2006/relationships" xmlns:mc="http://schemas.openxmlformats.org/markup-compatibility/2006" xmlns:mv="urn:schemas-microsoft-com:mac:vml" xmlns:p="http://schemas.openxmlformats.org/presentationml/2006/main" mc:Ignorable="mv" mc:PreserveAttributes="mv:*">
   <p:cSld>
     <p:spTree>
       <p:nvGrpSpPr>
@@ -8896,7 +8896,7 @@
 </file>
 
 <file path=ppt/slides/slide9.xml><?xml version="1.0" encoding="utf-8"?>
-<p:sld xmlns:a="http://schemas.openxmlformats.org/drawingml/2006/main" xmlns:r="http://schemas.openxmlformats.org/officeDocument/2006/relationships" xmlns:p="http://schemas.openxmlformats.org/presentationml/2006/main">
+<p:sld xmlns:a="http://schemas.openxmlformats.org/drawingml/2006/main" xmlns:r="http://schemas.openxmlformats.org/officeDocument/2006/relationships" xmlns:mc="http://schemas.openxmlformats.org/markup-compatibility/2006" xmlns:mv="urn:schemas-microsoft-com:mac:vml" xmlns:p="http://schemas.openxmlformats.org/presentationml/2006/main" mc:Ignorable="mv" mc:PreserveAttributes="mv:*">
   <p:cSld>
     <p:spTree>
       <p:nvGrpSpPr>
